--- a/Гамов Павел Диплом.pptx
+++ b/Гамов Павел Диплом.pptx
@@ -5312,7 +5312,7 @@
           <a:bodyPr/>
           <a:lstStyle/>
           <a:p>
-            <a:fld id="{B62F5807-4516-4882-92CF-869EDC8CBD09}" type="datetime1">
+            <a:fld id="{CAA96CA2-D25E-435E-AC98-811061851A7E}" type="datetime1">
               <a:rPr lang="ru-RU" smtClean="0"/>
               <a:t>04.06.2022</a:t>
             </a:fld>
@@ -5485,7 +5485,7 @@
           <a:bodyPr/>
           <a:lstStyle/>
           <a:p>
-            <a:fld id="{3CF9B444-42C6-4714-B836-D3B3F43D9718}" type="datetime1">
+            <a:fld id="{9D8A12E2-A9FE-4790-AF50-F1C785462BCA}" type="datetime1">
               <a:rPr lang="ru-RU" smtClean="0"/>
               <a:t>04.06.2022</a:t>
             </a:fld>
@@ -5668,7 +5668,7 @@
           <a:bodyPr/>
           <a:lstStyle/>
           <a:p>
-            <a:fld id="{30DB184C-8183-4232-AB0C-DDE4A5F9A59A}" type="datetime1">
+            <a:fld id="{6309822C-EE11-4130-B5A8-E8C4A833D99B}" type="datetime1">
               <a:rPr lang="ru-RU" smtClean="0"/>
               <a:t>04.06.2022</a:t>
             </a:fld>
@@ -6082,6 +6082,10 @@
             </a:lvl1pPr>
           </a:lstStyle>
           <a:p>
+            <a:fld id="{556D7989-C488-425D-82EC-39FE5F5CA3DA}" type="datetime1">
+              <a:rPr lang="ru-RU" altLang="ru-RU" smtClean="0"/>
+              <a:t>04.06.2022</a:t>
+            </a:fld>
             <a:endParaRPr lang="ru-RU" altLang="ru-RU"/>
           </a:p>
         </p:txBody>
@@ -6376,6 +6380,10 @@
             </a:lvl1pPr>
           </a:lstStyle>
           <a:p>
+            <a:fld id="{00891B1F-519E-4680-B0E8-485CF2C45876}" type="datetime1">
+              <a:rPr lang="ru-RU" altLang="ru-RU" smtClean="0"/>
+              <a:t>04.06.2022</a:t>
+            </a:fld>
             <a:endParaRPr lang="ru-RU" altLang="ru-RU"/>
           </a:p>
         </p:txBody>
@@ -6491,7 +6499,7 @@
           <a:bodyPr/>
           <a:lstStyle/>
           <a:p>
-            <a:fld id="{65923C7F-1988-4DD4-820A-18E50AE5A439}" type="datetime1">
+            <a:fld id="{69B7A353-BE0D-4549-9382-9CD59F21C17F}" type="datetime1">
               <a:rPr lang="ru-RU" smtClean="0"/>
               <a:t>04.06.2022</a:t>
             </a:fld>
@@ -6769,7 +6777,7 @@
           <a:bodyPr/>
           <a:lstStyle/>
           <a:p>
-            <a:fld id="{1C71F7CF-18D4-4F5E-AC53-9AE5A6A7350E}" type="datetime1">
+            <a:fld id="{D62DDD93-369B-4BE4-9C2A-17938ABBA71F}" type="datetime1">
               <a:rPr lang="ru-RU" smtClean="0"/>
               <a:t>04.06.2022</a:t>
             </a:fld>
@@ -6984,7 +6992,7 @@
           <a:bodyPr/>
           <a:lstStyle/>
           <a:p>
-            <a:fld id="{A0869E21-A7BA-4DF4-9D68-385298AD8798}" type="datetime1">
+            <a:fld id="{48B98622-7CC8-434D-84B5-F72984EF86CD}" type="datetime1">
               <a:rPr lang="ru-RU" smtClean="0"/>
               <a:t>04.06.2022</a:t>
             </a:fld>
@@ -7352,7 +7360,7 @@
           <a:bodyPr/>
           <a:lstStyle/>
           <a:p>
-            <a:fld id="{87A2E531-885F-47C2-A89A-898E53EC6478}" type="datetime1">
+            <a:fld id="{A4F5D91A-7267-4024-ABAB-1DEE5F401EB0}" type="datetime1">
               <a:rPr lang="ru-RU" smtClean="0"/>
               <a:t>04.06.2022</a:t>
             </a:fld>
@@ -7493,7 +7501,7 @@
           <a:bodyPr/>
           <a:lstStyle/>
           <a:p>
-            <a:fld id="{2D9FC648-708A-4FFC-8046-4B708AB80933}" type="datetime1">
+            <a:fld id="{8F0BF417-8E39-4406-BD0D-49811C79BF14}" type="datetime1">
               <a:rPr lang="ru-RU" smtClean="0"/>
               <a:t>04.06.2022</a:t>
             </a:fld>
@@ -7606,7 +7614,7 @@
           <a:bodyPr/>
           <a:lstStyle/>
           <a:p>
-            <a:fld id="{46A69CB7-F0E6-4CA4-AB72-3499AD0955BA}" type="datetime1">
+            <a:fld id="{AD280D6F-771D-4E8A-9ACE-A34B2970ECC9}" type="datetime1">
               <a:rPr lang="ru-RU" smtClean="0"/>
               <a:t>04.06.2022</a:t>
             </a:fld>
@@ -7895,7 +7903,7 @@
           <a:bodyPr/>
           <a:lstStyle/>
           <a:p>
-            <a:fld id="{91E09996-4CA2-4B19-A55D-7FAADD817AB8}" type="datetime1">
+            <a:fld id="{5D4DB2B9-35BF-4AA2-9E23-2EC699716DA5}" type="datetime1">
               <a:rPr lang="ru-RU" smtClean="0"/>
               <a:t>04.06.2022</a:t>
             </a:fld>
@@ -8186,7 +8194,7 @@
           <a:bodyPr/>
           <a:lstStyle/>
           <a:p>
-            <a:fld id="{C1F36CBC-797A-4474-ACC7-B9BA8319F08F}" type="datetime1">
+            <a:fld id="{2C93E9F1-21A6-428C-9555-2C8B587E1C7B}" type="datetime1">
               <a:rPr lang="ru-RU" smtClean="0"/>
               <a:t>04.06.2022</a:t>
             </a:fld>
@@ -8402,7 +8410,7 @@
             </a:lvl1pPr>
           </a:lstStyle>
           <a:p>
-            <a:fld id="{EB5B43AF-C7E1-40B9-93A7-544E002635E8}" type="datetime1">
+            <a:fld id="{52C1CB8E-F89C-462B-970B-C588DF2B5915}" type="datetime1">
               <a:rPr lang="ru-RU" smtClean="0"/>
               <a:t>04.06.2022</a:t>
             </a:fld>
@@ -9541,6 +9549,36 @@
           </a:graphicData>
         </a:graphic>
       </p:graphicFrame>
+      <p:sp>
+        <p:nvSpPr>
+          <p:cNvPr id="2" name="Номер слайда 1">
+            <a:extLst>
+              <a:ext uri="{FF2B5EF4-FFF2-40B4-BE49-F238E27FC236}">
+                <a16:creationId xmlns:a16="http://schemas.microsoft.com/office/drawing/2014/main" id="{E38077B5-FFD1-0ABF-3ECB-FDE671D56FD6}"/>
+              </a:ext>
+            </a:extLst>
+          </p:cNvPr>
+          <p:cNvSpPr>
+            <a:spLocks noGrp="1"/>
+          </p:cNvSpPr>
+          <p:nvPr>
+            <p:ph type="sldNum" sz="quarter" idx="11"/>
+          </p:nvPr>
+        </p:nvSpPr>
+        <p:spPr/>
+        <p:txBody>
+          <a:bodyPr/>
+          <a:lstStyle/>
+          <a:p>
+            <a:fld id="{905AD0EB-4A58-413D-9F45-750C98409FAB}" type="slidenum">
+              <a:rPr lang="ru-RU" altLang="ru-RU" smtClean="0"/>
+              <a:pPr/>
+              <a:t>10</a:t>
+            </a:fld>
+            <a:endParaRPr lang="ru-RU" altLang="ru-RU"/>
+          </a:p>
+        </p:txBody>
+      </p:sp>
     </p:spTree>
   </p:cSld>
   <p:clrMapOvr>
@@ -10150,6 +10188,35 @@
           </a:graphicData>
         </a:graphic>
       </p:graphicFrame>
+      <p:sp>
+        <p:nvSpPr>
+          <p:cNvPr id="2" name="Номер слайда 1">
+            <a:extLst>
+              <a:ext uri="{FF2B5EF4-FFF2-40B4-BE49-F238E27FC236}">
+                <a16:creationId xmlns:a16="http://schemas.microsoft.com/office/drawing/2014/main" id="{E8908166-6F17-3AA9-A5F2-4ABB5BC4C763}"/>
+              </a:ext>
+            </a:extLst>
+          </p:cNvPr>
+          <p:cNvSpPr>
+            <a:spLocks noGrp="1"/>
+          </p:cNvSpPr>
+          <p:nvPr>
+            <p:ph type="sldNum" sz="quarter" idx="12"/>
+          </p:nvPr>
+        </p:nvSpPr>
+        <p:spPr/>
+        <p:txBody>
+          <a:bodyPr/>
+          <a:lstStyle/>
+          <a:p>
+            <a:fld id="{145D7D96-9EDF-C74E-95E6-226A47D1BA42}" type="slidenum">
+              <a:rPr lang="ru-RU" smtClean="0"/>
+              <a:t>11</a:t>
+            </a:fld>
+            <a:endParaRPr lang="ru-RU"/>
+          </a:p>
+        </p:txBody>
+      </p:sp>
     </p:spTree>
   </p:cSld>
   <p:clrMapOvr>
@@ -10635,6 +10702,35 @@
           </a:graphicData>
         </a:graphic>
       </p:graphicFrame>
+      <p:sp>
+        <p:nvSpPr>
+          <p:cNvPr id="2" name="Номер слайда 1">
+            <a:extLst>
+              <a:ext uri="{FF2B5EF4-FFF2-40B4-BE49-F238E27FC236}">
+                <a16:creationId xmlns:a16="http://schemas.microsoft.com/office/drawing/2014/main" id="{8F9227F1-6963-3F57-1434-3040898A37F2}"/>
+              </a:ext>
+            </a:extLst>
+          </p:cNvPr>
+          <p:cNvSpPr>
+            <a:spLocks noGrp="1"/>
+          </p:cNvSpPr>
+          <p:nvPr>
+            <p:ph type="sldNum" sz="quarter" idx="12"/>
+          </p:nvPr>
+        </p:nvSpPr>
+        <p:spPr/>
+        <p:txBody>
+          <a:bodyPr/>
+          <a:lstStyle/>
+          <a:p>
+            <a:fld id="{145D7D96-9EDF-C74E-95E6-226A47D1BA42}" type="slidenum">
+              <a:rPr lang="ru-RU" smtClean="0"/>
+              <a:t>12</a:t>
+            </a:fld>
+            <a:endParaRPr lang="ru-RU"/>
+          </a:p>
+        </p:txBody>
+      </p:sp>
     </p:spTree>
   </p:cSld>
   <p:clrMapOvr>
@@ -11829,6 +11925,35 @@
           </a:graphicData>
         </a:graphic>
       </p:graphicFrame>
+      <p:sp>
+        <p:nvSpPr>
+          <p:cNvPr id="2" name="Номер слайда 1">
+            <a:extLst>
+              <a:ext uri="{FF2B5EF4-FFF2-40B4-BE49-F238E27FC236}">
+                <a16:creationId xmlns:a16="http://schemas.microsoft.com/office/drawing/2014/main" id="{57A8CECB-AA71-AC2F-1720-72FACEFA2E3F}"/>
+              </a:ext>
+            </a:extLst>
+          </p:cNvPr>
+          <p:cNvSpPr>
+            <a:spLocks noGrp="1"/>
+          </p:cNvSpPr>
+          <p:nvPr>
+            <p:ph type="sldNum" sz="quarter" idx="12"/>
+          </p:nvPr>
+        </p:nvSpPr>
+        <p:spPr/>
+        <p:txBody>
+          <a:bodyPr/>
+          <a:lstStyle/>
+          <a:p>
+            <a:fld id="{145D7D96-9EDF-C74E-95E6-226A47D1BA42}" type="slidenum">
+              <a:rPr lang="ru-RU" smtClean="0"/>
+              <a:t>13</a:t>
+            </a:fld>
+            <a:endParaRPr lang="ru-RU"/>
+          </a:p>
+        </p:txBody>
+      </p:sp>
     </p:spTree>
   </p:cSld>
   <p:clrMapOvr>
@@ -15703,6 +15828,36 @@
           </a:graphicData>
         </a:graphic>
       </p:graphicFrame>
+      <p:sp>
+        <p:nvSpPr>
+          <p:cNvPr id="2" name="Номер слайда 1">
+            <a:extLst>
+              <a:ext uri="{FF2B5EF4-FFF2-40B4-BE49-F238E27FC236}">
+                <a16:creationId xmlns:a16="http://schemas.microsoft.com/office/drawing/2014/main" id="{EBC564E1-E721-2BF7-1396-7494C3F09675}"/>
+              </a:ext>
+            </a:extLst>
+          </p:cNvPr>
+          <p:cNvSpPr>
+            <a:spLocks noGrp="1"/>
+          </p:cNvSpPr>
+          <p:nvPr>
+            <p:ph type="sldNum" sz="quarter" idx="11"/>
+          </p:nvPr>
+        </p:nvSpPr>
+        <p:spPr/>
+        <p:txBody>
+          <a:bodyPr/>
+          <a:lstStyle/>
+          <a:p>
+            <a:fld id="{EBF368CE-7F38-404C-A8FF-BA398E2B6E6B}" type="slidenum">
+              <a:rPr lang="ru-RU" altLang="ru-RU" smtClean="0"/>
+              <a:pPr/>
+              <a:t>7</a:t>
+            </a:fld>
+            <a:endParaRPr lang="ru-RU" altLang="ru-RU"/>
+          </a:p>
+        </p:txBody>
+      </p:sp>
     </p:spTree>
   </p:cSld>
   <p:clrMapOvr>
@@ -17111,6 +17266,36 @@
           </a:graphicData>
         </a:graphic>
       </p:graphicFrame>
+      <p:sp>
+        <p:nvSpPr>
+          <p:cNvPr id="2" name="Номер слайда 1">
+            <a:extLst>
+              <a:ext uri="{FF2B5EF4-FFF2-40B4-BE49-F238E27FC236}">
+                <a16:creationId xmlns:a16="http://schemas.microsoft.com/office/drawing/2014/main" id="{CC55A6B6-49BF-6265-0E01-725686B54D18}"/>
+              </a:ext>
+            </a:extLst>
+          </p:cNvPr>
+          <p:cNvSpPr>
+            <a:spLocks noGrp="1"/>
+          </p:cNvSpPr>
+          <p:nvPr>
+            <p:ph type="sldNum" sz="quarter" idx="11"/>
+          </p:nvPr>
+        </p:nvSpPr>
+        <p:spPr/>
+        <p:txBody>
+          <a:bodyPr/>
+          <a:lstStyle/>
+          <a:p>
+            <a:fld id="{EBF368CE-7F38-404C-A8FF-BA398E2B6E6B}" type="slidenum">
+              <a:rPr lang="ru-RU" altLang="ru-RU" smtClean="0"/>
+              <a:pPr/>
+              <a:t>8</a:t>
+            </a:fld>
+            <a:endParaRPr lang="ru-RU" altLang="ru-RU"/>
+          </a:p>
+        </p:txBody>
+      </p:sp>
     </p:spTree>
     <p:extLst>
       <p:ext uri="{BB962C8B-B14F-4D97-AF65-F5344CB8AC3E}">

--- a/Гамов Павел Диплом.pptx
+++ b/Гамов Павел Диплом.pptx
@@ -1886,13 +1886,27 @@
           <a:bodyPr rot="0" spcFirstLastPara="1" vertOverflow="ellipsis" vert="horz" wrap="square" anchor="ctr" anchorCtr="1"/>
           <a:lstStyle/>
           <a:p>
-            <a:pPr>
-              <a:defRPr sz="1862" b="0" i="0" u="none" strike="noStrike" kern="1200" spc="0" baseline="0">
+            <a:pPr marL="0" marR="0" lvl="0" indent="0" algn="ctr" defTabSz="914400" rtl="0" eaLnBrk="1" fontAlgn="auto" latinLnBrk="0" hangingPunct="1">
+              <a:lnSpc>
+                <a:spcPct val="100000"/>
+              </a:lnSpc>
+              <a:spcBef>
+                <a:spcPts val="0"/>
+              </a:spcBef>
+              <a:spcAft>
+                <a:spcPts val="0"/>
+              </a:spcAft>
+              <a:buClrTx/>
+              <a:buSzTx/>
+              <a:buFontTx/>
+              <a:buNone/>
+              <a:tabLst/>
+              <a:defRPr sz="1400" b="0" i="0" u="none" strike="noStrike" kern="1200" spc="0" baseline="0">
                 <a:solidFill>
-                  <a:schemeClr val="tx1">
+                  <a:sysClr val="windowText" lastClr="000000">
                     <a:lumMod val="65000"/>
                     <a:lumOff val="35000"/>
-                  </a:schemeClr>
+                  </a:sysClr>
                 </a:solidFill>
                 <a:latin typeface="+mn-lt"/>
                 <a:ea typeface="+mn-ea"/>
@@ -1900,14 +1914,11 @@
               </a:defRPr>
             </a:pPr>
             <a:r>
-              <a:rPr lang="ru-RU" dirty="0"/>
-              <a:t>Итоговое</a:t>
-            </a:r>
-            <a:r>
-              <a:rPr lang="ru-RU" baseline="0" dirty="0"/>
-              <a:t> время</a:t>
-            </a:r>
-            <a:endParaRPr lang="ru-RU" dirty="0"/>
+              <a:rPr lang="ru-RU" sz="1600" b="0" i="0" baseline="0">
+                <a:effectLst/>
+              </a:rPr>
+              <a:t>Итоговое время</a:t>
+            </a:r>
           </a:p>
         </c:rich>
       </c:tx>
@@ -1923,13 +1934,27 @@
         <a:bodyPr rot="0" spcFirstLastPara="1" vertOverflow="ellipsis" vert="horz" wrap="square" anchor="ctr" anchorCtr="1"/>
         <a:lstStyle/>
         <a:p>
-          <a:pPr>
-            <a:defRPr sz="1862" b="0" i="0" u="none" strike="noStrike" kern="1200" spc="0" baseline="0">
+          <a:pPr marL="0" marR="0" lvl="0" indent="0" algn="ctr" defTabSz="914400" rtl="0" eaLnBrk="1" fontAlgn="auto" latinLnBrk="0" hangingPunct="1">
+            <a:lnSpc>
+              <a:spcPct val="100000"/>
+            </a:lnSpc>
+            <a:spcBef>
+              <a:spcPts val="0"/>
+            </a:spcBef>
+            <a:spcAft>
+              <a:spcPts val="0"/>
+            </a:spcAft>
+            <a:buClrTx/>
+            <a:buSzTx/>
+            <a:buFontTx/>
+            <a:buNone/>
+            <a:tabLst/>
+            <a:defRPr sz="1400" b="0" i="0" u="none" strike="noStrike" kern="1200" spc="0" baseline="0">
               <a:solidFill>
-                <a:schemeClr val="tx1">
+                <a:sysClr val="windowText" lastClr="000000">
                   <a:lumMod val="65000"/>
                   <a:lumOff val="35000"/>
-                </a:schemeClr>
+                </a:sysClr>
               </a:solidFill>
               <a:latin typeface="+mn-lt"/>
               <a:ea typeface="+mn-ea"/>
@@ -2033,7 +2058,7 @@
                 <c:formatCode>General</c:formatCode>
                 <c:ptCount val="11"/>
                 <c:pt idx="0">
-                  <c:v>5</c:v>
+                  <c:v>6</c:v>
                 </c:pt>
                 <c:pt idx="1">
                   <c:v>9</c:v>
@@ -2045,25 +2070,25 @@
                   <c:v>20</c:v>
                 </c:pt>
                 <c:pt idx="4">
-                  <c:v>25</c:v>
+                  <c:v>26</c:v>
                 </c:pt>
                 <c:pt idx="5">
-                  <c:v>30</c:v>
+                  <c:v>32</c:v>
                 </c:pt>
                 <c:pt idx="6">
-                  <c:v>50</c:v>
+                  <c:v>38</c:v>
                 </c:pt>
                 <c:pt idx="7">
-                  <c:v>55</c:v>
+                  <c:v>45</c:v>
                 </c:pt>
                 <c:pt idx="8">
-                  <c:v>60</c:v>
+                  <c:v>52</c:v>
                 </c:pt>
                 <c:pt idx="9">
-                  <c:v>70</c:v>
+                  <c:v>57</c:v>
                 </c:pt>
                 <c:pt idx="10">
-                  <c:v>75</c:v>
+                  <c:v>64</c:v>
                 </c:pt>
               </c:numCache>
             </c:numRef>
@@ -2071,7 +2096,7 @@
           <c:smooth val="0"/>
           <c:extLst>
             <c:ext xmlns:c16="http://schemas.microsoft.com/office/drawing/2014/chart" uri="{C3380CC4-5D6E-409C-BE32-E72D297353CC}">
-              <c16:uniqueId val="{00000000-3CFF-48ED-9FD4-2E9E60A3A25C}"/>
+              <c16:uniqueId val="{00000000-2D13-0341-986A-C90D229EF326}"/>
             </c:ext>
           </c:extLst>
         </c:ser>
@@ -2162,34 +2187,34 @@
                 <c:formatCode>General</c:formatCode>
                 <c:ptCount val="11"/>
                 <c:pt idx="0">
-                  <c:v>2</c:v>
+                  <c:v>3</c:v>
                 </c:pt>
                 <c:pt idx="1">
                   <c:v>5</c:v>
                 </c:pt>
                 <c:pt idx="2">
-                  <c:v>7</c:v>
+                  <c:v>9</c:v>
                 </c:pt>
                 <c:pt idx="3">
-                  <c:v>9</c:v>
+                  <c:v>12</c:v>
                 </c:pt>
                 <c:pt idx="4">
-                  <c:v>14</c:v>
+                  <c:v>15</c:v>
                 </c:pt>
                 <c:pt idx="5">
                   <c:v>20</c:v>
                 </c:pt>
                 <c:pt idx="6">
-                  <c:v>23</c:v>
+                  <c:v>24</c:v>
                 </c:pt>
                 <c:pt idx="7">
-                  <c:v>26</c:v>
+                  <c:v>29</c:v>
                 </c:pt>
                 <c:pt idx="8">
                   <c:v>32</c:v>
                 </c:pt>
                 <c:pt idx="9">
-                  <c:v>37</c:v>
+                  <c:v>36</c:v>
                 </c:pt>
                 <c:pt idx="10">
                   <c:v>40</c:v>
@@ -2200,7 +2225,7 @@
           <c:smooth val="0"/>
           <c:extLst>
             <c:ext xmlns:c16="http://schemas.microsoft.com/office/drawing/2014/chart" uri="{C3380CC4-5D6E-409C-BE32-E72D297353CC}">
-              <c16:uniqueId val="{00000001-3CFF-48ED-9FD4-2E9E60A3A25C}"/>
+              <c16:uniqueId val="{00000001-2D13-0341-986A-C90D229EF326}"/>
             </c:ext>
           </c:extLst>
         </c:ser>
@@ -2294,13 +2319,13 @@
                   <c:v>2</c:v>
                 </c:pt>
                 <c:pt idx="1">
-                  <c:v>5</c:v>
+                  <c:v>4</c:v>
                 </c:pt>
                 <c:pt idx="2">
-                  <c:v>6</c:v>
+                  <c:v>7</c:v>
                 </c:pt>
                 <c:pt idx="3">
-                  <c:v>8</c:v>
+                  <c:v>9</c:v>
                 </c:pt>
                 <c:pt idx="4">
                   <c:v>12</c:v>
@@ -2309,19 +2334,19 @@
                   <c:v>15</c:v>
                 </c:pt>
                 <c:pt idx="6">
-                  <c:v>19</c:v>
+                  <c:v>20</c:v>
                 </c:pt>
                 <c:pt idx="7">
-                  <c:v>20</c:v>
+                  <c:v>23</c:v>
                 </c:pt>
                 <c:pt idx="8">
-                  <c:v>25</c:v>
+                  <c:v>26</c:v>
                 </c:pt>
                 <c:pt idx="9">
                   <c:v>30</c:v>
                 </c:pt>
                 <c:pt idx="10">
-                  <c:v>35</c:v>
+                  <c:v>34</c:v>
                 </c:pt>
               </c:numCache>
             </c:numRef>
@@ -2329,7 +2354,7 @@
           <c:smooth val="0"/>
           <c:extLst>
             <c:ext xmlns:c16="http://schemas.microsoft.com/office/drawing/2014/chart" uri="{C3380CC4-5D6E-409C-BE32-E72D297353CC}">
-              <c16:uniqueId val="{00000004-3CFF-48ED-9FD4-2E9E60A3A25C}"/>
+              <c16:uniqueId val="{00000002-2D13-0341-986A-C90D229EF326}"/>
             </c:ext>
           </c:extLst>
         </c:ser>
@@ -2343,11 +2368,11 @@
         </c:dLbls>
         <c:marker val="1"/>
         <c:smooth val="0"/>
-        <c:axId val="553762080"/>
-        <c:axId val="553762408"/>
+        <c:axId val="199646104"/>
+        <c:axId val="199647088"/>
       </c:lineChart>
       <c:catAx>
-        <c:axId val="553762080"/>
+        <c:axId val="199646104"/>
         <c:scaling>
           <c:orientation val="minMax"/>
         </c:scaling>
@@ -2360,7 +2385,7 @@
               <a:lstStyle/>
               <a:p>
                 <a:pPr>
-                  <a:defRPr sz="1330" b="0" i="0" u="none" strike="noStrike" kern="1200" baseline="0">
+                  <a:defRPr sz="1000" b="0" i="0" u="none" strike="noStrike" kern="1200" baseline="0">
                     <a:solidFill>
                       <a:schemeClr val="tx1">
                         <a:lumMod val="65000"/>
@@ -2373,14 +2398,14 @@
                   </a:defRPr>
                 </a:pPr>
                 <a:r>
-                  <a:rPr lang="ru-RU" dirty="0"/>
+                  <a:rPr lang="ru-RU"/>
                   <a:t>Размер</a:t>
                 </a:r>
                 <a:r>
-                  <a:rPr lang="ru-RU" baseline="0" dirty="0"/>
+                  <a:rPr lang="ru-RU" baseline="0"/>
                   <a:t> числа</a:t>
                 </a:r>
-                <a:endParaRPr lang="ru-RU" dirty="0"/>
+                <a:endParaRPr lang="ru-RU"/>
               </a:p>
             </c:rich>
           </c:tx>
@@ -2397,7 +2422,7 @@
             <a:lstStyle/>
             <a:p>
               <a:pPr>
-                <a:defRPr sz="1330" b="0" i="0" u="none" strike="noStrike" kern="1200" baseline="0">
+                <a:defRPr sz="1000" b="0" i="0" u="none" strike="noStrike" kern="1200" baseline="0">
                   <a:solidFill>
                     <a:schemeClr val="tx1">
                       <a:lumMod val="65000"/>
@@ -2435,7 +2460,7 @@
           <a:lstStyle/>
           <a:p>
             <a:pPr>
-              <a:defRPr sz="1197" b="0" i="0" u="none" strike="noStrike" kern="1200" baseline="0">
+              <a:defRPr sz="900" b="0" i="0" u="none" strike="noStrike" kern="1200" baseline="0">
                 <a:solidFill>
                   <a:schemeClr val="tx1">
                     <a:lumMod val="65000"/>
@@ -2450,7 +2475,7 @@
             <a:endParaRPr lang="ru-RU"/>
           </a:p>
         </c:txPr>
-        <c:crossAx val="553762408"/>
+        <c:crossAx val="199647088"/>
         <c:crosses val="autoZero"/>
         <c:auto val="1"/>
         <c:lblAlgn val="ctr"/>
@@ -2458,7 +2483,7 @@
         <c:noMultiLvlLbl val="0"/>
       </c:catAx>
       <c:valAx>
-        <c:axId val="553762408"/>
+        <c:axId val="199647088"/>
         <c:scaling>
           <c:orientation val="minMax"/>
         </c:scaling>
@@ -2485,7 +2510,7 @@
               <a:lstStyle/>
               <a:p>
                 <a:pPr>
-                  <a:defRPr sz="1330" b="0" i="0" u="none" strike="noStrike" kern="1200" baseline="0">
+                  <a:defRPr sz="1000" b="0" i="0" u="none" strike="noStrike" kern="1200" baseline="0">
                     <a:solidFill>
                       <a:schemeClr val="tx1">
                         <a:lumMod val="65000"/>
@@ -2498,14 +2523,9 @@
                   </a:defRPr>
                 </a:pPr>
                 <a:r>
-                  <a:rPr lang="ru-RU" dirty="0"/>
-                  <a:t>Время</a:t>
+                  <a:rPr lang="ru-RU"/>
+                  <a:t>Время в секундах</a:t>
                 </a:r>
-                <a:r>
-                  <a:rPr lang="ru-RU" baseline="0" dirty="0"/>
-                  <a:t> в секундах</a:t>
-                </a:r>
-                <a:endParaRPr lang="ru-RU" dirty="0"/>
               </a:p>
             </c:rich>
           </c:tx>
@@ -2522,7 +2542,7 @@
             <a:lstStyle/>
             <a:p>
               <a:pPr>
-                <a:defRPr sz="1330" b="0" i="0" u="none" strike="noStrike" kern="1200" baseline="0">
+                <a:defRPr sz="1000" b="0" i="0" u="none" strike="noStrike" kern="1200" baseline="0">
                   <a:solidFill>
                     <a:schemeClr val="tx1">
                       <a:lumMod val="65000"/>
@@ -2554,7 +2574,7 @@
           <a:lstStyle/>
           <a:p>
             <a:pPr>
-              <a:defRPr sz="1197" b="0" i="0" u="none" strike="noStrike" kern="1200" baseline="0">
+              <a:defRPr sz="900" b="0" i="0" u="none" strike="noStrike" kern="1200" baseline="0">
                 <a:solidFill>
                   <a:schemeClr val="tx1">
                     <a:lumMod val="65000"/>
@@ -2569,7 +2589,7 @@
             <a:endParaRPr lang="ru-RU"/>
           </a:p>
         </c:txPr>
-        <c:crossAx val="553762080"/>
+        <c:crossAx val="199646104"/>
         <c:crosses val="autoZero"/>
         <c:crossBetween val="between"/>
       </c:valAx>
@@ -2596,7 +2616,7 @@
         <a:lstStyle/>
         <a:p>
           <a:pPr>
-            <a:defRPr sz="1197" b="0" i="0" u="none" strike="noStrike" kern="1200" baseline="0">
+            <a:defRPr sz="900" b="0" i="0" u="none" strike="noStrike" kern="1200" baseline="0">
               <a:solidFill>
                 <a:schemeClr val="tx1">
                   <a:lumMod val="65000"/>
@@ -4327,7 +4347,7 @@
         <a:lumOff val="35000"/>
       </a:schemeClr>
     </cs:fontRef>
-    <cs:defRPr sz="1330" kern="1200"/>
+    <cs:defRPr sz="1000" kern="1200"/>
   </cs:axisTitle>
   <cs:categoryAxis>
     <cs:lnRef idx="0"/>
@@ -4350,7 +4370,7 @@
         <a:round/>
       </a:ln>
     </cs:spPr>
-    <cs:defRPr sz="1197" kern="1200"/>
+    <cs:defRPr sz="900" kern="1200"/>
   </cs:categoryAxis>
   <cs:chartArea mods="allowNoFillOverride allowNoLineOverride">
     <cs:lnRef idx="0"/>
@@ -4373,7 +4393,7 @@
         <a:round/>
       </a:ln>
     </cs:spPr>
-    <cs:defRPr sz="1330" kern="1200"/>
+    <cs:defRPr sz="1000" kern="1200"/>
   </cs:chartArea>
   <cs:dataLabel>
     <cs:lnRef idx="0"/>
@@ -4385,7 +4405,7 @@
         <a:lumOff val="25000"/>
       </a:schemeClr>
     </cs:fontRef>
-    <cs:defRPr sz="1197" kern="1200"/>
+    <cs:defRPr sz="900" kern="1200"/>
   </cs:dataLabel>
   <cs:dataLabelCallout>
     <cs:lnRef idx="0"/>
@@ -4410,7 +4430,7 @@
         </a:solidFill>
       </a:ln>
     </cs:spPr>
-    <cs:defRPr sz="1197" kern="1200"/>
+    <cs:defRPr sz="900" kern="1200"/>
     <cs:bodyPr rot="0" spcFirstLastPara="1" vertOverflow="clip" horzOverflow="clip" vert="horz" wrap="square" lIns="36576" tIns="18288" rIns="36576" bIns="18288" anchor="ctr" anchorCtr="1">
       <a:spAutoFit/>
     </cs:bodyPr>
@@ -4513,7 +4533,7 @@
         <a:round/>
       </a:ln>
     </cs:spPr>
-    <cs:defRPr sz="1197" kern="1200"/>
+    <cs:defRPr sz="900" kern="1200"/>
   </cs:dataTable>
   <cs:downBar>
     <cs:lnRef idx="0"/>
@@ -4677,7 +4697,7 @@
         <a:lumOff val="35000"/>
       </a:schemeClr>
     </cs:fontRef>
-    <cs:defRPr sz="1197" kern="1200"/>
+    <cs:defRPr sz="900" kern="1200"/>
   </cs:legend>
   <cs:plotArea mods="allowNoFillOverride allowNoLineOverride">
     <cs:lnRef idx="0"/>
@@ -4705,7 +4725,7 @@
         <a:lumOff val="35000"/>
       </a:schemeClr>
     </cs:fontRef>
-    <cs:defRPr sz="1197" kern="1200"/>
+    <cs:defRPr sz="900" kern="1200"/>
   </cs:seriesAxis>
   <cs:seriesLine>
     <cs:lnRef idx="0"/>
@@ -4736,7 +4756,7 @@
         <a:lumOff val="35000"/>
       </a:schemeClr>
     </cs:fontRef>
-    <cs:defRPr sz="1862" b="0" kern="1200" spc="0" baseline="0"/>
+    <cs:defRPr sz="1400" b="0" kern="1200" spc="0" baseline="0"/>
   </cs:title>
   <cs:trendline>
     <cs:lnRef idx="0">
@@ -4766,7 +4786,7 @@
         <a:lumOff val="35000"/>
       </a:schemeClr>
     </cs:fontRef>
-    <cs:defRPr sz="1197" kern="1200"/>
+    <cs:defRPr sz="900" kern="1200"/>
   </cs:trendlineLabel>
   <cs:upBar>
     <cs:lnRef idx="0"/>
@@ -4799,7 +4819,7 @@
         <a:lumOff val="35000"/>
       </a:schemeClr>
     </cs:fontRef>
-    <cs:defRPr sz="1197" kern="1200"/>
+    <cs:defRPr sz="900" kern="1200"/>
   </cs:valueAxis>
   <cs:wall>
     <cs:lnRef idx="0"/>
@@ -4900,7 +4920,7 @@
           <a:p>
             <a:fld id="{0BE3899A-7CC5-4F7B-A5CD-99CA7D2B8285}" type="datetimeFigureOut">
               <a:rPr lang="ru-RU" smtClean="0"/>
-              <a:t>04.06.2022</a:t>
+              <a:t>10.06.2022</a:t>
             </a:fld>
             <a:endParaRPr lang="ru-RU"/>
           </a:p>
@@ -5314,7 +5334,7 @@
           <a:p>
             <a:fld id="{CAA96CA2-D25E-435E-AC98-811061851A7E}" type="datetime1">
               <a:rPr lang="ru-RU" smtClean="0"/>
-              <a:t>04.06.2022</a:t>
+              <a:t>10.06.2022</a:t>
             </a:fld>
             <a:endParaRPr lang="ru-RU"/>
           </a:p>
@@ -5487,7 +5507,7 @@
           <a:p>
             <a:fld id="{9D8A12E2-A9FE-4790-AF50-F1C785462BCA}" type="datetime1">
               <a:rPr lang="ru-RU" smtClean="0"/>
-              <a:t>04.06.2022</a:t>
+              <a:t>10.06.2022</a:t>
             </a:fld>
             <a:endParaRPr lang="ru-RU"/>
           </a:p>
@@ -5670,7 +5690,7 @@
           <a:p>
             <a:fld id="{6309822C-EE11-4130-B5A8-E8C4A833D99B}" type="datetime1">
               <a:rPr lang="ru-RU" smtClean="0"/>
-              <a:t>04.06.2022</a:t>
+              <a:t>10.06.2022</a:t>
             </a:fld>
             <a:endParaRPr lang="ru-RU"/>
           </a:p>
@@ -6084,7 +6104,7 @@
           <a:p>
             <a:fld id="{556D7989-C488-425D-82EC-39FE5F5CA3DA}" type="datetime1">
               <a:rPr lang="ru-RU" altLang="ru-RU" smtClean="0"/>
-              <a:t>04.06.2022</a:t>
+              <a:t>10.06.2022</a:t>
             </a:fld>
             <a:endParaRPr lang="ru-RU" altLang="ru-RU"/>
           </a:p>
@@ -6382,7 +6402,7 @@
           <a:p>
             <a:fld id="{00891B1F-519E-4680-B0E8-485CF2C45876}" type="datetime1">
               <a:rPr lang="ru-RU" altLang="ru-RU" smtClean="0"/>
-              <a:t>04.06.2022</a:t>
+              <a:t>10.06.2022</a:t>
             </a:fld>
             <a:endParaRPr lang="ru-RU" altLang="ru-RU"/>
           </a:p>
@@ -6501,7 +6521,7 @@
           <a:p>
             <a:fld id="{69B7A353-BE0D-4549-9382-9CD59F21C17F}" type="datetime1">
               <a:rPr lang="ru-RU" smtClean="0"/>
-              <a:t>04.06.2022</a:t>
+              <a:t>10.06.2022</a:t>
             </a:fld>
             <a:endParaRPr lang="ru-RU"/>
           </a:p>
@@ -6779,7 +6799,7 @@
           <a:p>
             <a:fld id="{D62DDD93-369B-4BE4-9C2A-17938ABBA71F}" type="datetime1">
               <a:rPr lang="ru-RU" smtClean="0"/>
-              <a:t>04.06.2022</a:t>
+              <a:t>10.06.2022</a:t>
             </a:fld>
             <a:endParaRPr lang="ru-RU"/>
           </a:p>
@@ -6994,7 +7014,7 @@
           <a:p>
             <a:fld id="{48B98622-7CC8-434D-84B5-F72984EF86CD}" type="datetime1">
               <a:rPr lang="ru-RU" smtClean="0"/>
-              <a:t>04.06.2022</a:t>
+              <a:t>10.06.2022</a:t>
             </a:fld>
             <a:endParaRPr lang="ru-RU"/>
           </a:p>
@@ -7362,7 +7382,7 @@
           <a:p>
             <a:fld id="{A4F5D91A-7267-4024-ABAB-1DEE5F401EB0}" type="datetime1">
               <a:rPr lang="ru-RU" smtClean="0"/>
-              <a:t>04.06.2022</a:t>
+              <a:t>10.06.2022</a:t>
             </a:fld>
             <a:endParaRPr lang="ru-RU"/>
           </a:p>
@@ -7503,7 +7523,7 @@
           <a:p>
             <a:fld id="{8F0BF417-8E39-4406-BD0D-49811C79BF14}" type="datetime1">
               <a:rPr lang="ru-RU" smtClean="0"/>
-              <a:t>04.06.2022</a:t>
+              <a:t>10.06.2022</a:t>
             </a:fld>
             <a:endParaRPr lang="ru-RU"/>
           </a:p>
@@ -7616,7 +7636,7 @@
           <a:p>
             <a:fld id="{AD280D6F-771D-4E8A-9ACE-A34B2970ECC9}" type="datetime1">
               <a:rPr lang="ru-RU" smtClean="0"/>
-              <a:t>04.06.2022</a:t>
+              <a:t>10.06.2022</a:t>
             </a:fld>
             <a:endParaRPr lang="ru-RU"/>
           </a:p>
@@ -7905,7 +7925,7 @@
           <a:p>
             <a:fld id="{5D4DB2B9-35BF-4AA2-9E23-2EC699716DA5}" type="datetime1">
               <a:rPr lang="ru-RU" smtClean="0"/>
-              <a:t>04.06.2022</a:t>
+              <a:t>10.06.2022</a:t>
             </a:fld>
             <a:endParaRPr lang="ru-RU"/>
           </a:p>
@@ -8196,7 +8216,7 @@
           <a:p>
             <a:fld id="{2C93E9F1-21A6-428C-9555-2C8B587E1C7B}" type="datetime1">
               <a:rPr lang="ru-RU" smtClean="0"/>
-              <a:t>04.06.2022</a:t>
+              <a:t>10.06.2022</a:t>
             </a:fld>
             <a:endParaRPr lang="ru-RU"/>
           </a:p>
@@ -8412,7 +8432,7 @@
           <a:p>
             <a:fld id="{52C1CB8E-F89C-462B-970B-C588DF2B5915}" type="datetime1">
               <a:rPr lang="ru-RU" smtClean="0"/>
-              <a:t>04.06.2022</a:t>
+              <a:t>10.06.2022</a:t>
             </a:fld>
             <a:endParaRPr lang="ru-RU"/>
           </a:p>
@@ -9466,12 +9486,12 @@
           <a:graphicData uri="http://schemas.openxmlformats.org/presentationml/2006/ole">
             <mc:AlternateContent xmlns:mc="http://schemas.openxmlformats.org/markup-compatibility/2006">
               <mc:Choice xmlns:v="urn:schemas-microsoft-com:vml" Requires="v">
-                <p:oleObj name="Формула" r:id="rId2" imgW="1701720" imgH="342720" progId="Equation.3">
+                <p:oleObj spid="_x0000_s4100" name="Формула" r:id="rId3" imgW="1701720" imgH="342720" progId="Equation.3">
                   <p:embed/>
                 </p:oleObj>
               </mc:Choice>
               <mc:Fallback>
-                <p:oleObj name="Формула" r:id="rId2" imgW="1701720" imgH="342720" progId="Equation.3">
+                <p:oleObj name="Формула" r:id="rId3" imgW="1701720" imgH="342720" progId="Equation.3">
                   <p:embed/>
                   <p:pic>
                     <p:nvPicPr>
@@ -9488,7 +9508,7 @@
                       <p:nvPr/>
                     </p:nvPicPr>
                     <p:blipFill>
-                      <a:blip r:embed="rId3">
+                      <a:blip r:embed="rId4">
                         <a:extLst>
                           <a:ext uri="{28A0092B-C50C-407E-A947-70E740481C1C}">
                             <a14:useLocalDpi xmlns:a14="http://schemas.microsoft.com/office/drawing/2010/main" val="0"/>
@@ -9974,12 +9994,12 @@
           <a:graphicData uri="http://schemas.openxmlformats.org/presentationml/2006/ole">
             <mc:AlternateContent xmlns:mc="http://schemas.openxmlformats.org/markup-compatibility/2006">
               <mc:Choice xmlns:v="urn:schemas-microsoft-com:vml" Requires="v">
-                <p:oleObj name="Формула" r:id="rId2" imgW="977476" imgH="203112" progId="Equation.3">
+                <p:oleObj spid="_x0000_s5127" name="Формула" r:id="rId3" imgW="977476" imgH="203112" progId="Equation.3">
                   <p:embed/>
                 </p:oleObj>
               </mc:Choice>
               <mc:Fallback>
-                <p:oleObj name="Формула" r:id="rId2" imgW="977476" imgH="203112" progId="Equation.3">
+                <p:oleObj name="Формула" r:id="rId3" imgW="977476" imgH="203112" progId="Equation.3">
                   <p:embed/>
                   <p:pic>
                     <p:nvPicPr>
@@ -9996,7 +10016,7 @@
                       <p:nvPr/>
                     </p:nvPicPr>
                     <p:blipFill>
-                      <a:blip r:embed="rId3">
+                      <a:blip r:embed="rId4">
                         <a:extLst>
                           <a:ext uri="{28A0092B-C50C-407E-A947-70E740481C1C}">
                             <a14:useLocalDpi xmlns:a14="http://schemas.microsoft.com/office/drawing/2010/main" val="0"/>
@@ -10128,12 +10148,12 @@
           <a:graphicData uri="http://schemas.openxmlformats.org/presentationml/2006/ole">
             <mc:AlternateContent xmlns:mc="http://schemas.openxmlformats.org/markup-compatibility/2006">
               <mc:Choice xmlns:v="urn:schemas-microsoft-com:vml" Requires="v">
-                <p:oleObj name="Формула" r:id="rId4" imgW="1485900" imgH="203200" progId="Equation.3">
+                <p:oleObj spid="_x0000_s5128" name="Формула" r:id="rId5" imgW="1485900" imgH="203200" progId="Equation.3">
                   <p:embed/>
                 </p:oleObj>
               </mc:Choice>
               <mc:Fallback>
-                <p:oleObj name="Формула" r:id="rId4" imgW="1485900" imgH="203200" progId="Equation.3">
+                <p:oleObj name="Формула" r:id="rId5" imgW="1485900" imgH="203200" progId="Equation.3">
                   <p:embed/>
                   <p:pic>
                     <p:nvPicPr>
@@ -10150,7 +10170,7 @@
                       <p:nvPr/>
                     </p:nvPicPr>
                     <p:blipFill>
-                      <a:blip r:embed="rId5">
+                      <a:blip r:embed="rId6">
                         <a:extLst>
                           <a:ext uri="{28A0092B-C50C-407E-A947-70E740481C1C}">
                             <a14:useLocalDpi xmlns:a14="http://schemas.microsoft.com/office/drawing/2010/main" val="0"/>
@@ -10488,12 +10508,12 @@
           <a:graphicData uri="http://schemas.openxmlformats.org/presentationml/2006/ole">
             <mc:AlternateContent xmlns:mc="http://schemas.openxmlformats.org/markup-compatibility/2006">
               <mc:Choice xmlns:v="urn:schemas-microsoft-com:vml" Requires="v">
-                <p:oleObj name="Формула" r:id="rId2" imgW="1079500" imgH="228600" progId="Equation.3">
+                <p:oleObj spid="_x0000_s6151" name="Формула" r:id="rId3" imgW="1079500" imgH="228600" progId="Equation.3">
                   <p:embed/>
                 </p:oleObj>
               </mc:Choice>
               <mc:Fallback>
-                <p:oleObj name="Формула" r:id="rId2" imgW="1079500" imgH="228600" progId="Equation.3">
+                <p:oleObj name="Формула" r:id="rId3" imgW="1079500" imgH="228600" progId="Equation.3">
                   <p:embed/>
                   <p:pic>
                     <p:nvPicPr>
@@ -10510,7 +10530,7 @@
                       <p:nvPr/>
                     </p:nvPicPr>
                     <p:blipFill>
-                      <a:blip r:embed="rId3">
+                      <a:blip r:embed="rId4">
                         <a:extLst>
                           <a:ext uri="{28A0092B-C50C-407E-A947-70E740481C1C}">
                             <a14:useLocalDpi xmlns:a14="http://schemas.microsoft.com/office/drawing/2010/main" val="0"/>
@@ -10642,12 +10662,12 @@
           <a:graphicData uri="http://schemas.openxmlformats.org/presentationml/2006/ole">
             <mc:AlternateContent xmlns:mc="http://schemas.openxmlformats.org/markup-compatibility/2006">
               <mc:Choice xmlns:v="urn:schemas-microsoft-com:vml" Requires="v">
-                <p:oleObj name="Формула" r:id="rId4" imgW="901309" imgH="203112" progId="Equation.3">
+                <p:oleObj spid="_x0000_s6152" name="Формула" r:id="rId5" imgW="901309" imgH="203112" progId="Equation.3">
                   <p:embed/>
                 </p:oleObj>
               </mc:Choice>
               <mc:Fallback>
-                <p:oleObj name="Формула" r:id="rId4" imgW="901309" imgH="203112" progId="Equation.3">
+                <p:oleObj name="Формула" r:id="rId5" imgW="901309" imgH="203112" progId="Equation.3">
                   <p:embed/>
                   <p:pic>
                     <p:nvPicPr>
@@ -10664,7 +10684,7 @@
                       <p:nvPr/>
                     </p:nvPicPr>
                     <p:blipFill>
-                      <a:blip r:embed="rId5">
+                      <a:blip r:embed="rId6">
                         <a:extLst>
                           <a:ext uri="{28A0092B-C50C-407E-A947-70E740481C1C}">
                             <a14:useLocalDpi xmlns:a14="http://schemas.microsoft.com/office/drawing/2010/main" val="0"/>
@@ -11095,12 +11115,12 @@
           <a:graphicData uri="http://schemas.openxmlformats.org/presentationml/2006/ole">
             <mc:AlternateContent xmlns:mc="http://schemas.openxmlformats.org/markup-compatibility/2006">
               <mc:Choice xmlns:v="urn:schemas-microsoft-com:vml" Requires="v">
-                <p:oleObj name="Формула" r:id="rId2" imgW="1460500" imgH="228600" progId="Equation.3">
+                <p:oleObj spid="_x0000_s7187" name="Формула" r:id="rId3" imgW="1460500" imgH="228600" progId="Equation.3">
                   <p:embed/>
                 </p:oleObj>
               </mc:Choice>
               <mc:Fallback>
-                <p:oleObj name="Формула" r:id="rId2" imgW="1460500" imgH="228600" progId="Equation.3">
+                <p:oleObj name="Формула" r:id="rId3" imgW="1460500" imgH="228600" progId="Equation.3">
                   <p:embed/>
                   <p:pic>
                     <p:nvPicPr>
@@ -11117,7 +11137,7 @@
                       <p:nvPr/>
                     </p:nvPicPr>
                     <p:blipFill>
-                      <a:blip r:embed="rId3">
+                      <a:blip r:embed="rId4">
                         <a:extLst>
                           <a:ext uri="{28A0092B-C50C-407E-A947-70E740481C1C}">
                             <a14:useLocalDpi xmlns:a14="http://schemas.microsoft.com/office/drawing/2010/main" val="0"/>
@@ -11249,12 +11269,12 @@
           <a:graphicData uri="http://schemas.openxmlformats.org/presentationml/2006/ole">
             <mc:AlternateContent xmlns:mc="http://schemas.openxmlformats.org/markup-compatibility/2006">
               <mc:Choice xmlns:v="urn:schemas-microsoft-com:vml" Requires="v">
-                <p:oleObj name="Формула" r:id="rId4" imgW="3479800" imgH="241300" progId="Equation.3">
+                <p:oleObj spid="_x0000_s7188" name="Формула" r:id="rId5" imgW="3479800" imgH="241300" progId="Equation.3">
                   <p:embed/>
                 </p:oleObj>
               </mc:Choice>
               <mc:Fallback>
-                <p:oleObj name="Формула" r:id="rId4" imgW="3479800" imgH="241300" progId="Equation.3">
+                <p:oleObj name="Формула" r:id="rId5" imgW="3479800" imgH="241300" progId="Equation.3">
                   <p:embed/>
                   <p:pic>
                     <p:nvPicPr>
@@ -11271,7 +11291,7 @@
                       <p:nvPr/>
                     </p:nvPicPr>
                     <p:blipFill>
-                      <a:blip r:embed="rId5">
+                      <a:blip r:embed="rId6">
                         <a:extLst>
                           <a:ext uri="{28A0092B-C50C-407E-A947-70E740481C1C}">
                             <a14:useLocalDpi xmlns:a14="http://schemas.microsoft.com/office/drawing/2010/main" val="0"/>
@@ -11403,12 +11423,12 @@
           <a:graphicData uri="http://schemas.openxmlformats.org/presentationml/2006/ole">
             <mc:AlternateContent xmlns:mc="http://schemas.openxmlformats.org/markup-compatibility/2006">
               <mc:Choice xmlns:v="urn:schemas-microsoft-com:vml" Requires="v">
-                <p:oleObj name="Формула" r:id="rId6" imgW="660113" imgH="215806" progId="Equation.3">
+                <p:oleObj spid="_x0000_s7189" name="Формула" r:id="rId7" imgW="660113" imgH="215806" progId="Equation.3">
                   <p:embed/>
                 </p:oleObj>
               </mc:Choice>
               <mc:Fallback>
-                <p:oleObj name="Формула" r:id="rId6" imgW="660113" imgH="215806" progId="Equation.3">
+                <p:oleObj name="Формула" r:id="rId7" imgW="660113" imgH="215806" progId="Equation.3">
                   <p:embed/>
                   <p:pic>
                     <p:nvPicPr>
@@ -11425,7 +11445,7 @@
                       <p:nvPr/>
                     </p:nvPicPr>
                     <p:blipFill>
-                      <a:blip r:embed="rId7">
+                      <a:blip r:embed="rId8">
                         <a:extLst>
                           <a:ext uri="{28A0092B-C50C-407E-A947-70E740481C1C}">
                             <a14:useLocalDpi xmlns:a14="http://schemas.microsoft.com/office/drawing/2010/main" val="0"/>
@@ -11557,12 +11577,12 @@
           <a:graphicData uri="http://schemas.openxmlformats.org/presentationml/2006/ole">
             <mc:AlternateContent xmlns:mc="http://schemas.openxmlformats.org/markup-compatibility/2006">
               <mc:Choice xmlns:v="urn:schemas-microsoft-com:vml" Requires="v">
-                <p:oleObj name="Формула" r:id="rId8" imgW="533169" imgH="228501" progId="Equation.3">
+                <p:oleObj spid="_x0000_s7190" name="Формула" r:id="rId9" imgW="533169" imgH="228501" progId="Equation.3">
                   <p:embed/>
                 </p:oleObj>
               </mc:Choice>
               <mc:Fallback>
-                <p:oleObj name="Формула" r:id="rId8" imgW="533169" imgH="228501" progId="Equation.3">
+                <p:oleObj name="Формула" r:id="rId9" imgW="533169" imgH="228501" progId="Equation.3">
                   <p:embed/>
                   <p:pic>
                     <p:nvPicPr>
@@ -11579,7 +11599,7 @@
                       <p:nvPr/>
                     </p:nvPicPr>
                     <p:blipFill>
-                      <a:blip r:embed="rId9">
+                      <a:blip r:embed="rId10">
                         <a:extLst>
                           <a:ext uri="{28A0092B-C50C-407E-A947-70E740481C1C}">
                             <a14:useLocalDpi xmlns:a14="http://schemas.microsoft.com/office/drawing/2010/main" val="0"/>
@@ -11711,12 +11731,12 @@
           <a:graphicData uri="http://schemas.openxmlformats.org/presentationml/2006/ole">
             <mc:AlternateContent xmlns:mc="http://schemas.openxmlformats.org/markup-compatibility/2006">
               <mc:Choice xmlns:v="urn:schemas-microsoft-com:vml" Requires="v">
-                <p:oleObj name="Формула" r:id="rId10" imgW="1028254" imgH="203112" progId="Equation.3">
+                <p:oleObj spid="_x0000_s7191" name="Формула" r:id="rId11" imgW="1028254" imgH="203112" progId="Equation.3">
                   <p:embed/>
                 </p:oleObj>
               </mc:Choice>
               <mc:Fallback>
-                <p:oleObj name="Формула" r:id="rId10" imgW="1028254" imgH="203112" progId="Equation.3">
+                <p:oleObj name="Формула" r:id="rId11" imgW="1028254" imgH="203112" progId="Equation.3">
                   <p:embed/>
                   <p:pic>
                     <p:nvPicPr>
@@ -11733,7 +11753,7 @@
                       <p:nvPr/>
                     </p:nvPicPr>
                     <p:blipFill>
-                      <a:blip r:embed="rId11">
+                      <a:blip r:embed="rId12">
                         <a:extLst>
                           <a:ext uri="{28A0092B-C50C-407E-A947-70E740481C1C}">
                             <a14:useLocalDpi xmlns:a14="http://schemas.microsoft.com/office/drawing/2010/main" val="0"/>
@@ -11865,12 +11885,12 @@
           <a:graphicData uri="http://schemas.openxmlformats.org/presentationml/2006/ole">
             <mc:AlternateContent xmlns:mc="http://schemas.openxmlformats.org/markup-compatibility/2006">
               <mc:Choice xmlns:v="urn:schemas-microsoft-com:vml" Requires="v">
-                <p:oleObj name="Формула" r:id="rId12" imgW="685800" imgH="203200" progId="Equation.3">
+                <p:oleObj spid="_x0000_s7192" name="Формула" r:id="rId13" imgW="685800" imgH="203200" progId="Equation.3">
                   <p:embed/>
                 </p:oleObj>
               </mc:Choice>
               <mc:Fallback>
-                <p:oleObj name="Формула" r:id="rId12" imgW="685800" imgH="203200" progId="Equation.3">
+                <p:oleObj name="Формула" r:id="rId13" imgW="685800" imgH="203200" progId="Equation.3">
                   <p:embed/>
                   <p:pic>
                     <p:nvPicPr>
@@ -11887,7 +11907,7 @@
                       <p:nvPr/>
                     </p:nvPicPr>
                     <p:blipFill>
-                      <a:blip r:embed="rId13">
+                      <a:blip r:embed="rId14">
                         <a:extLst>
                           <a:ext uri="{28A0092B-C50C-407E-A947-70E740481C1C}">
                             <a14:useLocalDpi xmlns:a14="http://schemas.microsoft.com/office/drawing/2010/main" val="0"/>
@@ -13566,12 +13586,12 @@
           <a:graphicData uri="http://schemas.openxmlformats.org/presentationml/2006/ole">
             <mc:AlternateContent xmlns:mc="http://schemas.openxmlformats.org/markup-compatibility/2006">
               <mc:Choice xmlns:v="urn:schemas-microsoft-com:vml" Requires="v">
-                <p:oleObj name="Формула" r:id="rId2" imgW="1143000" imgH="228600" progId="Equation.3">
+                <p:oleObj spid="_x0000_s1028" name="Формула" r:id="rId3" imgW="1143000" imgH="228600" progId="Equation.3">
                   <p:embed/>
                 </p:oleObj>
               </mc:Choice>
               <mc:Fallback>
-                <p:oleObj name="Формула" r:id="rId2" imgW="1143000" imgH="228600" progId="Equation.3">
+                <p:oleObj name="Формула" r:id="rId3" imgW="1143000" imgH="228600" progId="Equation.3">
                   <p:embed/>
                   <p:pic>
                     <p:nvPicPr>
@@ -13588,7 +13608,7 @@
                       <p:nvPr/>
                     </p:nvPicPr>
                     <p:blipFill>
-                      <a:blip r:embed="rId3">
+                      <a:blip r:embed="rId4">
                         <a:extLst>
                           <a:ext uri="{28A0092B-C50C-407E-A947-70E740481C1C}">
                             <a14:useLocalDpi xmlns:a14="http://schemas.microsoft.com/office/drawing/2010/main" val="0"/>
@@ -13885,19 +13905,6 @@
               </a:rPr>
               <a:t>Реализация метода квадратичного решета</a:t>
             </a:r>
-            <a:br>
-              <a:rPr lang="ru-RU" sz="2800" dirty="0">
-                <a:latin typeface="Times New Roman" panose="02020603050405020304" pitchFamily="18" charset="0"/>
-                <a:cs typeface="Times New Roman" panose="02020603050405020304" pitchFamily="18" charset="0"/>
-              </a:rPr>
-            </a:br>
-            <a:r>
-              <a:rPr lang="ru-RU" sz="2800" dirty="0">
-                <a:latin typeface="Times New Roman" panose="02020603050405020304" pitchFamily="18" charset="0"/>
-                <a:cs typeface="Times New Roman" panose="02020603050405020304" pitchFamily="18" charset="0"/>
-              </a:rPr>
-              <a:t>Основные плюсы дальнейшего усовершенствования</a:t>
-            </a:r>
           </a:p>
         </p:txBody>
       </p:sp>
@@ -13959,34 +13966,6 @@
           </a:p>
         </p:txBody>
       </p:sp>
-      <p:graphicFrame>
-        <p:nvGraphicFramePr>
-          <p:cNvPr id="7" name="Диаграмма 6">
-            <a:extLst>
-              <a:ext uri="{FF2B5EF4-FFF2-40B4-BE49-F238E27FC236}">
-                <a16:creationId xmlns:a16="http://schemas.microsoft.com/office/drawing/2014/main" id="{E72B8D0D-B1D7-4420-9D32-3E7E5C6073DD}"/>
-              </a:ext>
-            </a:extLst>
-          </p:cNvPr>
-          <p:cNvGraphicFramePr/>
-          <p:nvPr>
-            <p:extLst>
-              <p:ext uri="{D42A27DB-BD31-4B8C-83A1-F6EECF244321}">
-                <p14:modId xmlns:p14="http://schemas.microsoft.com/office/powerpoint/2010/main" val="2284378789"/>
-              </p:ext>
-            </p:extLst>
-          </p:nvPr>
-        </p:nvGraphicFramePr>
-        <p:xfrm>
-          <a:off x="838201" y="1610830"/>
-          <a:ext cx="10455234" cy="4719594"/>
-        </p:xfrm>
-        <a:graphic>
-          <a:graphicData uri="http://schemas.openxmlformats.org/drawingml/2006/chart">
-            <c:chart xmlns:c="http://schemas.openxmlformats.org/drawingml/2006/chart" xmlns:r="http://schemas.openxmlformats.org/officeDocument/2006/relationships" r:id="rId2"/>
-          </a:graphicData>
-        </a:graphic>
-      </p:graphicFrame>
       <p:sp>
         <p:nvSpPr>
           <p:cNvPr id="3" name="Номер слайда 2">
@@ -14016,6 +13995,34 @@
           </a:p>
         </p:txBody>
       </p:sp>
+      <p:graphicFrame>
+        <p:nvGraphicFramePr>
+          <p:cNvPr id="6" name="Диаграмма 5">
+            <a:extLst>
+              <a:ext uri="{FF2B5EF4-FFF2-40B4-BE49-F238E27FC236}">
+                <a16:creationId xmlns:a16="http://schemas.microsoft.com/office/drawing/2014/main" id="{3F5BAC86-75BF-1546-B376-66A7A2275BEA}"/>
+              </a:ext>
+            </a:extLst>
+          </p:cNvPr>
+          <p:cNvGraphicFramePr/>
+          <p:nvPr>
+            <p:extLst>
+              <p:ext uri="{D42A27DB-BD31-4B8C-83A1-F6EECF244321}">
+                <p14:modId xmlns:p14="http://schemas.microsoft.com/office/powerpoint/2010/main" val="1903458134"/>
+              </p:ext>
+            </p:extLst>
+          </p:nvPr>
+        </p:nvGraphicFramePr>
+        <p:xfrm>
+          <a:off x="1021279" y="1610830"/>
+          <a:ext cx="9809017" cy="4469336"/>
+        </p:xfrm>
+        <a:graphic>
+          <a:graphicData uri="http://schemas.openxmlformats.org/drawingml/2006/chart">
+            <c:chart xmlns:c="http://schemas.openxmlformats.org/drawingml/2006/chart" xmlns:r="http://schemas.openxmlformats.org/officeDocument/2006/relationships" r:id="rId2"/>
+          </a:graphicData>
+        </a:graphic>
+      </p:graphicFrame>
     </p:spTree>
     <p:extLst>
       <p:ext uri="{BB962C8B-B14F-4D97-AF65-F5344CB8AC3E}">
@@ -15522,12 +15529,12 @@
           <a:graphicData uri="http://schemas.openxmlformats.org/presentationml/2006/ole">
             <mc:AlternateContent xmlns:mc="http://schemas.openxmlformats.org/markup-compatibility/2006">
               <mc:Choice xmlns:v="urn:schemas-microsoft-com:vml" Requires="v">
-                <p:oleObj name="Формула" r:id="rId2" imgW="228600" imgH="203040" progId="Equation.3">
+                <p:oleObj spid="_x0000_s2058" name="Формула" r:id="rId3" imgW="228600" imgH="203040" progId="Equation.3">
                   <p:embed/>
                 </p:oleObj>
               </mc:Choice>
               <mc:Fallback>
-                <p:oleObj name="Формула" r:id="rId2" imgW="228600" imgH="203040" progId="Equation.3">
+                <p:oleObj name="Формула" r:id="rId3" imgW="228600" imgH="203040" progId="Equation.3">
                   <p:embed/>
                   <p:pic>
                     <p:nvPicPr>
@@ -15544,7 +15551,7 @@
                       <p:nvPr/>
                     </p:nvPicPr>
                     <p:blipFill>
-                      <a:blip r:embed="rId3">
+                      <a:blip r:embed="rId4">
                         <a:extLst>
                           <a:ext uri="{28A0092B-C50C-407E-A947-70E740481C1C}">
                             <a14:useLocalDpi xmlns:a14="http://schemas.microsoft.com/office/drawing/2010/main" val="0"/>
@@ -15634,12 +15641,12 @@
           <a:graphicData uri="http://schemas.openxmlformats.org/presentationml/2006/ole">
             <mc:AlternateContent xmlns:mc="http://schemas.openxmlformats.org/markup-compatibility/2006">
               <mc:Choice xmlns:v="urn:schemas-microsoft-com:vml" Requires="v">
-                <p:oleObj name="Формула" r:id="rId4" imgW="1104840" imgH="279360" progId="Equation.3">
+                <p:oleObj spid="_x0000_s2059" name="Формула" r:id="rId5" imgW="1104840" imgH="279360" progId="Equation.3">
                   <p:embed/>
                 </p:oleObj>
               </mc:Choice>
               <mc:Fallback>
-                <p:oleObj name="Формула" r:id="rId4" imgW="1104840" imgH="279360" progId="Equation.3">
+                <p:oleObj name="Формула" r:id="rId5" imgW="1104840" imgH="279360" progId="Equation.3">
                   <p:embed/>
                   <p:pic>
                     <p:nvPicPr>
@@ -15656,7 +15663,7 @@
                       <p:nvPr/>
                     </p:nvPicPr>
                     <p:blipFill>
-                      <a:blip r:embed="rId5">
+                      <a:blip r:embed="rId6">
                         <a:extLst>
                           <a:ext uri="{28A0092B-C50C-407E-A947-70E740481C1C}">
                             <a14:useLocalDpi xmlns:a14="http://schemas.microsoft.com/office/drawing/2010/main" val="0"/>
@@ -15745,12 +15752,12 @@
           <a:graphicData uri="http://schemas.openxmlformats.org/presentationml/2006/ole">
             <mc:AlternateContent xmlns:mc="http://schemas.openxmlformats.org/markup-compatibility/2006">
               <mc:Choice xmlns:v="urn:schemas-microsoft-com:vml" Requires="v">
-                <p:oleObj name="Формула" r:id="rId6" imgW="469800" imgH="177480" progId="Equation.3">
+                <p:oleObj spid="_x0000_s2060" name="Формула" r:id="rId7" imgW="469800" imgH="177480" progId="Equation.3">
                   <p:embed/>
                 </p:oleObj>
               </mc:Choice>
               <mc:Fallback>
-                <p:oleObj name="Формула" r:id="rId6" imgW="469800" imgH="177480" progId="Equation.3">
+                <p:oleObj name="Формула" r:id="rId7" imgW="469800" imgH="177480" progId="Equation.3">
                   <p:embed/>
                   <p:pic>
                     <p:nvPicPr>
@@ -15767,7 +15774,7 @@
                       <p:nvPr/>
                     </p:nvPicPr>
                     <p:blipFill>
-                      <a:blip r:embed="rId7">
+                      <a:blip r:embed="rId8">
                         <a:extLst>
                           <a:ext uri="{28A0092B-C50C-407E-A947-70E740481C1C}">
                             <a14:useLocalDpi xmlns:a14="http://schemas.microsoft.com/office/drawing/2010/main" val="0"/>
@@ -16600,12 +16607,12 @@
           <a:graphicData uri="http://schemas.openxmlformats.org/presentationml/2006/ole">
             <mc:AlternateContent xmlns:mc="http://schemas.openxmlformats.org/markup-compatibility/2006">
               <mc:Choice xmlns:v="urn:schemas-microsoft-com:vml" Requires="v">
-                <p:oleObj name="Формула" r:id="rId2" imgW="749160" imgH="203040" progId="Equation.3">
+                <p:oleObj spid="_x0000_s3094" name="Формула" r:id="rId3" imgW="749160" imgH="203040" progId="Equation.3">
                   <p:embed/>
                 </p:oleObj>
               </mc:Choice>
               <mc:Fallback>
-                <p:oleObj name="Формула" r:id="rId2" imgW="749160" imgH="203040" progId="Equation.3">
+                <p:oleObj name="Формула" r:id="rId3" imgW="749160" imgH="203040" progId="Equation.3">
                   <p:embed/>
                   <p:pic>
                     <p:nvPicPr>
@@ -16622,7 +16629,7 @@
                       <p:nvPr/>
                     </p:nvPicPr>
                     <p:blipFill>
-                      <a:blip r:embed="rId3">
+                      <a:blip r:embed="rId4">
                         <a:extLst>
                           <a:ext uri="{28A0092B-C50C-407E-A947-70E740481C1C}">
                             <a14:useLocalDpi xmlns:a14="http://schemas.microsoft.com/office/drawing/2010/main" val="0"/>
@@ -16712,12 +16719,12 @@
           <a:graphicData uri="http://schemas.openxmlformats.org/presentationml/2006/ole">
             <mc:AlternateContent xmlns:mc="http://schemas.openxmlformats.org/markup-compatibility/2006">
               <mc:Choice xmlns:v="urn:schemas-microsoft-com:vml" Requires="v">
-                <p:oleObj name="Формула" r:id="rId4" imgW="507960" imgH="228600" progId="Equation.3">
+                <p:oleObj spid="_x0000_s3095" name="Формула" r:id="rId5" imgW="507960" imgH="228600" progId="Equation.3">
                   <p:embed/>
                 </p:oleObj>
               </mc:Choice>
               <mc:Fallback>
-                <p:oleObj name="Формула" r:id="rId4" imgW="507960" imgH="228600" progId="Equation.3">
+                <p:oleObj name="Формула" r:id="rId5" imgW="507960" imgH="228600" progId="Equation.3">
                   <p:embed/>
                   <p:pic>
                     <p:nvPicPr>
@@ -16734,7 +16741,7 @@
                       <p:nvPr/>
                     </p:nvPicPr>
                     <p:blipFill>
-                      <a:blip r:embed="rId5">
+                      <a:blip r:embed="rId6">
                         <a:extLst>
                           <a:ext uri="{28A0092B-C50C-407E-A947-70E740481C1C}">
                             <a14:useLocalDpi xmlns:a14="http://schemas.microsoft.com/office/drawing/2010/main" val="0"/>
@@ -16795,12 +16802,12 @@
           <a:graphicData uri="http://schemas.openxmlformats.org/presentationml/2006/ole">
             <mc:AlternateContent xmlns:mc="http://schemas.openxmlformats.org/markup-compatibility/2006">
               <mc:Choice xmlns:v="urn:schemas-microsoft-com:vml" Requires="v">
-                <p:oleObj name="Формула" r:id="rId6" imgW="1638000" imgH="253800" progId="Equation.3">
+                <p:oleObj spid="_x0000_s3096" name="Формула" r:id="rId7" imgW="1638000" imgH="253800" progId="Equation.3">
                   <p:embed/>
                 </p:oleObj>
               </mc:Choice>
               <mc:Fallback>
-                <p:oleObj name="Формула" r:id="rId6" imgW="1638000" imgH="253800" progId="Equation.3">
+                <p:oleObj name="Формула" r:id="rId7" imgW="1638000" imgH="253800" progId="Equation.3">
                   <p:embed/>
                   <p:pic>
                     <p:nvPicPr>
@@ -16817,7 +16824,7 @@
                       <p:nvPr/>
                     </p:nvPicPr>
                     <p:blipFill>
-                      <a:blip r:embed="rId7">
+                      <a:blip r:embed="rId8">
                         <a:extLst>
                           <a:ext uri="{28A0092B-C50C-407E-A947-70E740481C1C}">
                             <a14:useLocalDpi xmlns:a14="http://schemas.microsoft.com/office/drawing/2010/main" val="0"/>
@@ -16878,12 +16885,12 @@
           <a:graphicData uri="http://schemas.openxmlformats.org/presentationml/2006/ole">
             <mc:AlternateContent xmlns:mc="http://schemas.openxmlformats.org/markup-compatibility/2006">
               <mc:Choice xmlns:v="urn:schemas-microsoft-com:vml" Requires="v">
-                <p:oleObj name="Формула" r:id="rId8" imgW="152280" imgH="228600" progId="Equation.3">
+                <p:oleObj spid="_x0000_s3097" name="Формула" r:id="rId9" imgW="152280" imgH="228600" progId="Equation.3">
                   <p:embed/>
                 </p:oleObj>
               </mc:Choice>
               <mc:Fallback>
-                <p:oleObj name="Формула" r:id="rId8" imgW="152280" imgH="228600" progId="Equation.3">
+                <p:oleObj name="Формула" r:id="rId9" imgW="152280" imgH="228600" progId="Equation.3">
                   <p:embed/>
                   <p:pic>
                     <p:nvPicPr>
@@ -16900,7 +16907,7 @@
                       <p:nvPr/>
                     </p:nvPicPr>
                     <p:blipFill>
-                      <a:blip r:embed="rId9">
+                      <a:blip r:embed="rId10">
                         <a:extLst>
                           <a:ext uri="{28A0092B-C50C-407E-A947-70E740481C1C}">
                             <a14:useLocalDpi xmlns:a14="http://schemas.microsoft.com/office/drawing/2010/main" val="0"/>
@@ -16989,12 +16996,12 @@
           <a:graphicData uri="http://schemas.openxmlformats.org/presentationml/2006/ole">
             <mc:AlternateContent xmlns:mc="http://schemas.openxmlformats.org/markup-compatibility/2006">
               <mc:Choice xmlns:v="urn:schemas-microsoft-com:vml" Requires="v">
-                <p:oleObj name="Формула" r:id="rId10" imgW="1015920" imgH="228600" progId="Equation.3">
+                <p:oleObj spid="_x0000_s3098" name="Формула" r:id="rId11" imgW="1015920" imgH="228600" progId="Equation.3">
                   <p:embed/>
                 </p:oleObj>
               </mc:Choice>
               <mc:Fallback>
-                <p:oleObj name="Формула" r:id="rId10" imgW="1015920" imgH="228600" progId="Equation.3">
+                <p:oleObj name="Формула" r:id="rId11" imgW="1015920" imgH="228600" progId="Equation.3">
                   <p:embed/>
                   <p:pic>
                     <p:nvPicPr>
@@ -17011,7 +17018,7 @@
                       <p:nvPr/>
                     </p:nvPicPr>
                     <p:blipFill>
-                      <a:blip r:embed="rId11">
+                      <a:blip r:embed="rId12">
                         <a:extLst>
                           <a:ext uri="{28A0092B-C50C-407E-A947-70E740481C1C}">
                             <a14:useLocalDpi xmlns:a14="http://schemas.microsoft.com/office/drawing/2010/main" val="0"/>
@@ -17072,12 +17079,12 @@
           <a:graphicData uri="http://schemas.openxmlformats.org/presentationml/2006/ole">
             <mc:AlternateContent xmlns:mc="http://schemas.openxmlformats.org/markup-compatibility/2006">
               <mc:Choice xmlns:v="urn:schemas-microsoft-com:vml" Requires="v">
-                <p:oleObj name="Формула" r:id="rId12" imgW="1409400" imgH="241200" progId="Equation.3">
+                <p:oleObj spid="_x0000_s3099" name="Формула" r:id="rId13" imgW="1409400" imgH="241200" progId="Equation.3">
                   <p:embed/>
                 </p:oleObj>
               </mc:Choice>
               <mc:Fallback>
-                <p:oleObj name="Формула" r:id="rId12" imgW="1409400" imgH="241200" progId="Equation.3">
+                <p:oleObj name="Формула" r:id="rId13" imgW="1409400" imgH="241200" progId="Equation.3">
                   <p:embed/>
                   <p:pic>
                     <p:nvPicPr>
@@ -17094,7 +17101,7 @@
                       <p:nvPr/>
                     </p:nvPicPr>
                     <p:blipFill>
-                      <a:blip r:embed="rId13">
+                      <a:blip r:embed="rId14">
                         <a:extLst>
                           <a:ext uri="{28A0092B-C50C-407E-A947-70E740481C1C}">
                             <a14:useLocalDpi xmlns:a14="http://schemas.microsoft.com/office/drawing/2010/main" val="0"/>
@@ -17183,12 +17190,12 @@
           <a:graphicData uri="http://schemas.openxmlformats.org/presentationml/2006/ole">
             <mc:AlternateContent xmlns:mc="http://schemas.openxmlformats.org/markup-compatibility/2006">
               <mc:Choice xmlns:v="urn:schemas-microsoft-com:vml" Requires="v">
-                <p:oleObj name="Формула" r:id="rId14" imgW="177480" imgH="241200" progId="Equation.3">
+                <p:oleObj spid="_x0000_s3100" name="Формула" r:id="rId15" imgW="177480" imgH="241200" progId="Equation.3">
                   <p:embed/>
                 </p:oleObj>
               </mc:Choice>
               <mc:Fallback>
-                <p:oleObj name="Формула" r:id="rId14" imgW="177480" imgH="241200" progId="Equation.3">
+                <p:oleObj name="Формула" r:id="rId15" imgW="177480" imgH="241200" progId="Equation.3">
                   <p:embed/>
                   <p:pic>
                     <p:nvPicPr>
@@ -17205,7 +17212,7 @@
                       <p:nvPr/>
                     </p:nvPicPr>
                     <p:blipFill>
-                      <a:blip r:embed="rId15">
+                      <a:blip r:embed="rId16">
                         <a:extLst>
                           <a:ext uri="{28A0092B-C50C-407E-A947-70E740481C1C}">
                             <a14:useLocalDpi xmlns:a14="http://schemas.microsoft.com/office/drawing/2010/main" val="0"/>

--- a/Гамов Павел Диплом.pptx
+++ b/Гамов Павел Диплом.pptx
@@ -147,6 +147,600 @@
 </file>
 
 <file path=ppt/charts/chart1.xml><?xml version="1.0" encoding="utf-8"?>
+<c:chartSpace xmlns:c="http://schemas.openxmlformats.org/drawingml/2006/chart" xmlns:a="http://schemas.openxmlformats.org/drawingml/2006/main" xmlns:r="http://schemas.openxmlformats.org/officeDocument/2006/relationships" xmlns:c16r2="http://schemas.microsoft.com/office/drawing/2015/06/chart">
+  <c:date1904 val="0"/>
+  <c:lang val="ru-RU"/>
+  <c:roundedCorners val="0"/>
+  <mc:AlternateContent xmlns:mc="http://schemas.openxmlformats.org/markup-compatibility/2006">
+    <mc:Choice xmlns:c14="http://schemas.microsoft.com/office/drawing/2007/8/2/chart" Requires="c14">
+      <c14:style val="102"/>
+    </mc:Choice>
+    <mc:Fallback>
+      <c:style val="2"/>
+    </mc:Fallback>
+  </mc:AlternateContent>
+  <c:chart>
+    <c:autoTitleDeleted val="1"/>
+    <c:plotArea>
+      <c:layout/>
+      <c:lineChart>
+        <c:grouping val="standard"/>
+        <c:varyColors val="0"/>
+        <c:ser>
+          <c:idx val="0"/>
+          <c:order val="0"/>
+          <c:tx>
+            <c:strRef>
+              <c:f>Лист1!$B$1</c:f>
+              <c:strCache>
+                <c:ptCount val="1"/>
+                <c:pt idx="0">
+                  <c:v>Последовательная реализация метода Полларда</c:v>
+                </c:pt>
+              </c:strCache>
+            </c:strRef>
+          </c:tx>
+          <c:spPr>
+            <a:ln w="22225" cap="rnd">
+              <a:solidFill>
+                <a:schemeClr val="accent1"/>
+              </a:solidFill>
+              <a:round/>
+            </a:ln>
+            <a:effectLst/>
+          </c:spPr>
+          <c:marker>
+            <c:symbol val="diamond"/>
+            <c:size val="6"/>
+            <c:spPr>
+              <a:solidFill>
+                <a:schemeClr val="accent1"/>
+              </a:solidFill>
+              <a:ln w="9525">
+                <a:solidFill>
+                  <a:schemeClr val="accent1"/>
+                </a:solidFill>
+                <a:round/>
+              </a:ln>
+              <a:effectLst/>
+            </c:spPr>
+          </c:marker>
+          <c:cat>
+            <c:numRef>
+              <c:f>Лист1!$A$2:$A$12</c:f>
+              <c:numCache>
+                <c:formatCode>General</c:formatCode>
+                <c:ptCount val="11"/>
+                <c:pt idx="0">
+                  <c:v>10</c:v>
+                </c:pt>
+                <c:pt idx="1">
+                  <c:v>11</c:v>
+                </c:pt>
+                <c:pt idx="2">
+                  <c:v>12</c:v>
+                </c:pt>
+                <c:pt idx="3">
+                  <c:v>13</c:v>
+                </c:pt>
+                <c:pt idx="4">
+                  <c:v>14</c:v>
+                </c:pt>
+                <c:pt idx="5">
+                  <c:v>15</c:v>
+                </c:pt>
+                <c:pt idx="6">
+                  <c:v>16</c:v>
+                </c:pt>
+                <c:pt idx="7">
+                  <c:v>17</c:v>
+                </c:pt>
+                <c:pt idx="8">
+                  <c:v>18</c:v>
+                </c:pt>
+                <c:pt idx="9">
+                  <c:v>19</c:v>
+                </c:pt>
+                <c:pt idx="10">
+                  <c:v>20</c:v>
+                </c:pt>
+              </c:numCache>
+            </c:numRef>
+          </c:cat>
+          <c:val>
+            <c:numRef>
+              <c:f>Лист1!$B$2:$B$12</c:f>
+              <c:numCache>
+                <c:formatCode>General</c:formatCode>
+                <c:ptCount val="11"/>
+                <c:pt idx="0">
+                  <c:v>5</c:v>
+                </c:pt>
+                <c:pt idx="1">
+                  <c:v>9</c:v>
+                </c:pt>
+                <c:pt idx="2">
+                  <c:v>14</c:v>
+                </c:pt>
+                <c:pt idx="3">
+                  <c:v>19</c:v>
+                </c:pt>
+                <c:pt idx="4">
+                  <c:v>26</c:v>
+                </c:pt>
+                <c:pt idx="5">
+                  <c:v>32</c:v>
+                </c:pt>
+                <c:pt idx="6">
+                  <c:v>39</c:v>
+                </c:pt>
+                <c:pt idx="7">
+                  <c:v>45</c:v>
+                </c:pt>
+                <c:pt idx="8">
+                  <c:v>53</c:v>
+                </c:pt>
+                <c:pt idx="9">
+                  <c:v>58</c:v>
+                </c:pt>
+                <c:pt idx="10">
+                  <c:v>65</c:v>
+                </c:pt>
+              </c:numCache>
+            </c:numRef>
+          </c:val>
+          <c:smooth val="0"/>
+          <c:extLst>
+            <c:ext xmlns:c16="http://schemas.microsoft.com/office/drawing/2014/chart" uri="{C3380CC4-5D6E-409C-BE32-E72D297353CC}">
+              <c16:uniqueId val="{00000000-98F8-5843-8789-135B4974C087}"/>
+            </c:ext>
+          </c:extLst>
+        </c:ser>
+        <c:ser>
+          <c:idx val="1"/>
+          <c:order val="1"/>
+          <c:tx>
+            <c:strRef>
+              <c:f>Лист1!$C$1</c:f>
+              <c:strCache>
+                <c:ptCount val="1"/>
+                <c:pt idx="0">
+                  <c:v>Параллельная реализация метода Полларда</c:v>
+                </c:pt>
+              </c:strCache>
+            </c:strRef>
+          </c:tx>
+          <c:spPr>
+            <a:ln w="22225" cap="rnd">
+              <a:solidFill>
+                <a:schemeClr val="accent2"/>
+              </a:solidFill>
+              <a:round/>
+            </a:ln>
+            <a:effectLst/>
+          </c:spPr>
+          <c:marker>
+            <c:symbol val="square"/>
+            <c:size val="6"/>
+            <c:spPr>
+              <a:solidFill>
+                <a:schemeClr val="accent2"/>
+              </a:solidFill>
+              <a:ln w="9525">
+                <a:solidFill>
+                  <a:schemeClr val="accent2"/>
+                </a:solidFill>
+                <a:round/>
+              </a:ln>
+              <a:effectLst/>
+            </c:spPr>
+          </c:marker>
+          <c:cat>
+            <c:numRef>
+              <c:f>Лист1!$A$2:$A$12</c:f>
+              <c:numCache>
+                <c:formatCode>General</c:formatCode>
+                <c:ptCount val="11"/>
+                <c:pt idx="0">
+                  <c:v>10</c:v>
+                </c:pt>
+                <c:pt idx="1">
+                  <c:v>11</c:v>
+                </c:pt>
+                <c:pt idx="2">
+                  <c:v>12</c:v>
+                </c:pt>
+                <c:pt idx="3">
+                  <c:v>13</c:v>
+                </c:pt>
+                <c:pt idx="4">
+                  <c:v>14</c:v>
+                </c:pt>
+                <c:pt idx="5">
+                  <c:v>15</c:v>
+                </c:pt>
+                <c:pt idx="6">
+                  <c:v>16</c:v>
+                </c:pt>
+                <c:pt idx="7">
+                  <c:v>17</c:v>
+                </c:pt>
+                <c:pt idx="8">
+                  <c:v>18</c:v>
+                </c:pt>
+                <c:pt idx="9">
+                  <c:v>19</c:v>
+                </c:pt>
+                <c:pt idx="10">
+                  <c:v>20</c:v>
+                </c:pt>
+              </c:numCache>
+            </c:numRef>
+          </c:cat>
+          <c:val>
+            <c:numRef>
+              <c:f>Лист1!$C$2:$C$12</c:f>
+              <c:numCache>
+                <c:formatCode>General</c:formatCode>
+                <c:ptCount val="11"/>
+                <c:pt idx="0">
+                  <c:v>5</c:v>
+                </c:pt>
+                <c:pt idx="1">
+                  <c:v>8</c:v>
+                </c:pt>
+                <c:pt idx="2">
+                  <c:v>11</c:v>
+                </c:pt>
+                <c:pt idx="3">
+                  <c:v>14</c:v>
+                </c:pt>
+                <c:pt idx="4">
+                  <c:v>20</c:v>
+                </c:pt>
+                <c:pt idx="5">
+                  <c:v>25</c:v>
+                </c:pt>
+                <c:pt idx="6">
+                  <c:v>32</c:v>
+                </c:pt>
+                <c:pt idx="7">
+                  <c:v>38</c:v>
+                </c:pt>
+                <c:pt idx="8">
+                  <c:v>43</c:v>
+                </c:pt>
+                <c:pt idx="9">
+                  <c:v>49</c:v>
+                </c:pt>
+                <c:pt idx="10">
+                  <c:v>53</c:v>
+                </c:pt>
+              </c:numCache>
+            </c:numRef>
+          </c:val>
+          <c:smooth val="0"/>
+          <c:extLst>
+            <c:ext xmlns:c16="http://schemas.microsoft.com/office/drawing/2014/chart" uri="{C3380CC4-5D6E-409C-BE32-E72D297353CC}">
+              <c16:uniqueId val="{00000001-98F8-5843-8789-135B4974C087}"/>
+            </c:ext>
+          </c:extLst>
+        </c:ser>
+        <c:dLbls>
+          <c:showLegendKey val="0"/>
+          <c:showVal val="0"/>
+          <c:showCatName val="0"/>
+          <c:showSerName val="0"/>
+          <c:showPercent val="0"/>
+          <c:showBubbleSize val="0"/>
+        </c:dLbls>
+        <c:marker val="1"/>
+        <c:smooth val="0"/>
+        <c:axId val="669101032"/>
+        <c:axId val="669101360"/>
+      </c:lineChart>
+      <c:catAx>
+        <c:axId val="669101032"/>
+        <c:scaling>
+          <c:orientation val="minMax"/>
+        </c:scaling>
+        <c:delete val="0"/>
+        <c:axPos val="b"/>
+        <c:majorGridlines>
+          <c:spPr>
+            <a:ln w="9525" cap="flat" cmpd="sng" algn="ctr">
+              <a:solidFill>
+                <a:schemeClr val="tx1">
+                  <a:lumMod val="15000"/>
+                  <a:lumOff val="85000"/>
+                </a:schemeClr>
+              </a:solidFill>
+              <a:round/>
+            </a:ln>
+            <a:effectLst/>
+          </c:spPr>
+        </c:majorGridlines>
+        <c:title>
+          <c:tx>
+            <c:rich>
+              <a:bodyPr rot="0" spcFirstLastPara="1" vertOverflow="ellipsis" vert="horz" wrap="square" anchor="ctr" anchorCtr="1"/>
+              <a:lstStyle/>
+              <a:p>
+                <a:pPr>
+                  <a:defRPr sz="1600" b="0" i="0" u="none" strike="noStrike" kern="1200" cap="all" baseline="0">
+                    <a:solidFill>
+                      <a:schemeClr val="tx1">
+                        <a:lumMod val="65000"/>
+                        <a:lumOff val="35000"/>
+                      </a:schemeClr>
+                    </a:solidFill>
+                    <a:latin typeface="+mn-lt"/>
+                    <a:ea typeface="+mn-ea"/>
+                    <a:cs typeface="+mn-cs"/>
+                  </a:defRPr>
+                </a:pPr>
+                <a:r>
+                  <a:rPr lang="ru-RU" sz="1600"/>
+                  <a:t>размер числа в десятичиных цифрах</a:t>
+                </a:r>
+              </a:p>
+            </c:rich>
+          </c:tx>
+          <c:overlay val="0"/>
+          <c:spPr>
+            <a:noFill/>
+            <a:ln>
+              <a:noFill/>
+            </a:ln>
+            <a:effectLst/>
+          </c:spPr>
+          <c:txPr>
+            <a:bodyPr rot="0" spcFirstLastPara="1" vertOverflow="ellipsis" vert="horz" wrap="square" anchor="ctr" anchorCtr="1"/>
+            <a:lstStyle/>
+            <a:p>
+              <a:pPr>
+                <a:defRPr sz="1600" b="0" i="0" u="none" strike="noStrike" kern="1200" cap="all" baseline="0">
+                  <a:solidFill>
+                    <a:schemeClr val="tx1">
+                      <a:lumMod val="65000"/>
+                      <a:lumOff val="35000"/>
+                    </a:schemeClr>
+                  </a:solidFill>
+                  <a:latin typeface="+mn-lt"/>
+                  <a:ea typeface="+mn-ea"/>
+                  <a:cs typeface="+mn-cs"/>
+                </a:defRPr>
+              </a:pPr>
+              <a:endParaRPr lang="ru-RU"/>
+            </a:p>
+          </c:txPr>
+        </c:title>
+        <c:numFmt formatCode="General" sourceLinked="1"/>
+        <c:majorTickMark val="none"/>
+        <c:minorTickMark val="none"/>
+        <c:tickLblPos val="nextTo"/>
+        <c:spPr>
+          <a:noFill/>
+          <a:ln w="9525" cap="flat" cmpd="sng" algn="ctr">
+            <a:solidFill>
+              <a:schemeClr val="tx1">
+                <a:lumMod val="15000"/>
+                <a:lumOff val="85000"/>
+              </a:schemeClr>
+            </a:solidFill>
+            <a:round/>
+          </a:ln>
+          <a:effectLst/>
+        </c:spPr>
+        <c:txPr>
+          <a:bodyPr rot="-60000000" spcFirstLastPara="1" vertOverflow="ellipsis" vert="horz" wrap="square" anchor="ctr" anchorCtr="1"/>
+          <a:lstStyle/>
+          <a:p>
+            <a:pPr>
+              <a:defRPr sz="800" b="0" i="0" u="none" strike="noStrike" kern="1200" cap="all" spc="120" normalizeH="0" baseline="0">
+                <a:solidFill>
+                  <a:schemeClr val="tx1">
+                    <a:lumMod val="65000"/>
+                    <a:lumOff val="35000"/>
+                  </a:schemeClr>
+                </a:solidFill>
+                <a:latin typeface="+mn-lt"/>
+                <a:ea typeface="+mn-ea"/>
+                <a:cs typeface="+mn-cs"/>
+              </a:defRPr>
+            </a:pPr>
+            <a:endParaRPr lang="ru-RU"/>
+          </a:p>
+        </c:txPr>
+        <c:crossAx val="669101360"/>
+        <c:crosses val="autoZero"/>
+        <c:auto val="1"/>
+        <c:lblAlgn val="ctr"/>
+        <c:lblOffset val="100"/>
+        <c:noMultiLvlLbl val="0"/>
+      </c:catAx>
+      <c:valAx>
+        <c:axId val="669101360"/>
+        <c:scaling>
+          <c:orientation val="minMax"/>
+        </c:scaling>
+        <c:delete val="0"/>
+        <c:axPos val="l"/>
+        <c:title>
+          <c:tx>
+            <c:rich>
+              <a:bodyPr rot="-5400000" spcFirstLastPara="1" vertOverflow="ellipsis" vert="horz" wrap="square" anchor="ctr" anchorCtr="1"/>
+              <a:lstStyle/>
+              <a:p>
+                <a:pPr>
+                  <a:defRPr sz="1600" b="0" i="0" u="none" strike="noStrike" kern="1200" cap="all" baseline="0">
+                    <a:solidFill>
+                      <a:schemeClr val="tx1">
+                        <a:lumMod val="65000"/>
+                        <a:lumOff val="35000"/>
+                      </a:schemeClr>
+                    </a:solidFill>
+                    <a:latin typeface="+mn-lt"/>
+                    <a:ea typeface="+mn-ea"/>
+                    <a:cs typeface="+mn-cs"/>
+                  </a:defRPr>
+                </a:pPr>
+                <a:r>
+                  <a:rPr lang="ru-RU" sz="1600"/>
+                  <a:t>Время</a:t>
+                </a:r>
+                <a:r>
+                  <a:rPr lang="ru-RU" sz="1600" baseline="0"/>
+                  <a:t> в секундах</a:t>
+                </a:r>
+                <a:endParaRPr lang="ru-RU" sz="1600"/>
+              </a:p>
+            </c:rich>
+          </c:tx>
+          <c:overlay val="0"/>
+          <c:spPr>
+            <a:noFill/>
+            <a:ln>
+              <a:noFill/>
+            </a:ln>
+            <a:effectLst/>
+          </c:spPr>
+          <c:txPr>
+            <a:bodyPr rot="-5400000" spcFirstLastPara="1" vertOverflow="ellipsis" vert="horz" wrap="square" anchor="ctr" anchorCtr="1"/>
+            <a:lstStyle/>
+            <a:p>
+              <a:pPr>
+                <a:defRPr sz="1600" b="0" i="0" u="none" strike="noStrike" kern="1200" cap="all" baseline="0">
+                  <a:solidFill>
+                    <a:schemeClr val="tx1">
+                      <a:lumMod val="65000"/>
+                      <a:lumOff val="35000"/>
+                    </a:schemeClr>
+                  </a:solidFill>
+                  <a:latin typeface="+mn-lt"/>
+                  <a:ea typeface="+mn-ea"/>
+                  <a:cs typeface="+mn-cs"/>
+                </a:defRPr>
+              </a:pPr>
+              <a:endParaRPr lang="ru-RU"/>
+            </a:p>
+          </c:txPr>
+        </c:title>
+        <c:numFmt formatCode="General" sourceLinked="1"/>
+        <c:majorTickMark val="none"/>
+        <c:minorTickMark val="none"/>
+        <c:tickLblPos val="nextTo"/>
+        <c:spPr>
+          <a:noFill/>
+          <a:ln w="9525" cap="flat" cmpd="sng" algn="ctr">
+            <a:solidFill>
+              <a:schemeClr val="dk1">
+                <a:lumMod val="15000"/>
+                <a:lumOff val="85000"/>
+              </a:schemeClr>
+            </a:solidFill>
+            <a:round/>
+          </a:ln>
+          <a:effectLst/>
+        </c:spPr>
+        <c:txPr>
+          <a:bodyPr rot="-60000000" spcFirstLastPara="1" vertOverflow="ellipsis" vert="horz" wrap="square" anchor="ctr" anchorCtr="1"/>
+          <a:lstStyle/>
+          <a:p>
+            <a:pPr>
+              <a:defRPr sz="900" b="0" i="0" u="none" strike="noStrike" kern="1200" baseline="0">
+                <a:solidFill>
+                  <a:schemeClr val="tx1">
+                    <a:lumMod val="65000"/>
+                    <a:lumOff val="35000"/>
+                  </a:schemeClr>
+                </a:solidFill>
+                <a:latin typeface="+mn-lt"/>
+                <a:ea typeface="+mn-ea"/>
+                <a:cs typeface="+mn-cs"/>
+              </a:defRPr>
+            </a:pPr>
+            <a:endParaRPr lang="ru-RU"/>
+          </a:p>
+        </c:txPr>
+        <c:crossAx val="669101032"/>
+        <c:crosses val="autoZero"/>
+        <c:crossBetween val="between"/>
+      </c:valAx>
+      <c:spPr>
+        <a:noFill/>
+        <a:ln>
+          <a:noFill/>
+        </a:ln>
+        <a:effectLst/>
+      </c:spPr>
+    </c:plotArea>
+    <c:legend>
+      <c:legendPos val="t"/>
+      <c:overlay val="0"/>
+      <c:spPr>
+        <a:noFill/>
+        <a:ln>
+          <a:noFill/>
+        </a:ln>
+        <a:effectLst/>
+      </c:spPr>
+      <c:txPr>
+        <a:bodyPr rot="0" spcFirstLastPara="1" vertOverflow="ellipsis" vert="horz" wrap="square" anchor="ctr" anchorCtr="1"/>
+        <a:lstStyle/>
+        <a:p>
+          <a:pPr>
+            <a:defRPr sz="2000" b="0" i="0" u="none" strike="noStrike" kern="1200" baseline="0">
+              <a:solidFill>
+                <a:schemeClr val="tx1">
+                  <a:lumMod val="65000"/>
+                  <a:lumOff val="35000"/>
+                </a:schemeClr>
+              </a:solidFill>
+              <a:latin typeface="+mn-lt"/>
+              <a:ea typeface="+mn-ea"/>
+              <a:cs typeface="+mn-cs"/>
+            </a:defRPr>
+          </a:pPr>
+          <a:endParaRPr lang="ru-RU"/>
+        </a:p>
+      </c:txPr>
+    </c:legend>
+    <c:plotVisOnly val="1"/>
+    <c:dispBlanksAs val="gap"/>
+    <c:extLst>
+      <c:ext xmlns:c16r3="http://schemas.microsoft.com/office/drawing/2017/03/chart" uri="{56B9EC1D-385E-4148-901F-78D8002777C0}">
+        <c16r3:dataDisplayOptions16>
+          <c16r3:dispNaAsBlank val="1"/>
+        </c16r3:dataDisplayOptions16>
+      </c:ext>
+    </c:extLst>
+    <c:showDLblsOverMax val="0"/>
+  </c:chart>
+  <c:spPr>
+    <a:noFill/>
+    <a:ln>
+      <a:noFill/>
+    </a:ln>
+    <a:effectLst/>
+  </c:spPr>
+  <c:txPr>
+    <a:bodyPr/>
+    <a:lstStyle/>
+    <a:p>
+      <a:pPr>
+        <a:defRPr/>
+      </a:pPr>
+      <a:endParaRPr lang="ru-RU"/>
+    </a:p>
+  </c:txPr>
+  <c:externalData r:id="rId3">
+    <c:autoUpdate val="0"/>
+  </c:externalData>
+</c:chartSpace>
+</file>
+
+<file path=ppt/charts/chart2.xml><?xml version="1.0" encoding="utf-8"?>
 <c:chartSpace xmlns:c="http://schemas.openxmlformats.org/drawingml/2006/chart" xmlns:a="http://schemas.openxmlformats.org/drawingml/2006/main" xmlns:r="http://schemas.openxmlformats.org/officeDocument/2006/relationships" xmlns:c16r2="http://schemas.microsoft.com/office/drawing/2015/06/chart">
   <c:date1904 val="0"/>
   <c:lang val="ru-RU"/>
@@ -718,7 +1312,7 @@
 </c:chartSpace>
 </file>
 
-<file path=ppt/charts/chart2.xml><?xml version="1.0" encoding="utf-8"?>
+<file path=ppt/charts/chart3.xml><?xml version="1.0" encoding="utf-8"?>
 <c:chartSpace xmlns:c="http://schemas.openxmlformats.org/drawingml/2006/chart" xmlns:a="http://schemas.openxmlformats.org/drawingml/2006/main" xmlns:r="http://schemas.openxmlformats.org/officeDocument/2006/relationships" xmlns:c16r2="http://schemas.microsoft.com/office/drawing/2015/06/chart">
   <c:date1904 val="0"/>
   <c:lang val="ru-RU"/>
@@ -1292,7 +1886,7 @@
 </c:chartSpace>
 </file>
 
-<file path=ppt/charts/chart3.xml><?xml version="1.0" encoding="utf-8"?>
+<file path=ppt/charts/chart4.xml><?xml version="1.0" encoding="utf-8"?>
 <c:chartSpace xmlns:c="http://schemas.openxmlformats.org/drawingml/2006/chart" xmlns:a="http://schemas.openxmlformats.org/drawingml/2006/main" xmlns:r="http://schemas.openxmlformats.org/officeDocument/2006/relationships" xmlns:c16r2="http://schemas.microsoft.com/office/drawing/2015/06/chart">
   <c:date1904 val="0"/>
   <c:lang val="ru-RU"/>
@@ -1866,7 +2460,7 @@
 </c:chartSpace>
 </file>
 
-<file path=ppt/charts/chart4.xml><?xml version="1.0" encoding="utf-8"?>
+<file path=ppt/charts/chart5.xml><?xml version="1.0" encoding="utf-8"?>
 <c:chartSpace xmlns:c="http://schemas.openxmlformats.org/drawingml/2006/chart" xmlns:a="http://schemas.openxmlformats.org/drawingml/2006/main" xmlns:r="http://schemas.openxmlformats.org/officeDocument/2006/relationships" xmlns:c16r2="http://schemas.microsoft.com/office/drawing/2015/06/chart">
   <c:date1904 val="0"/>
   <c:lang val="ru-RU"/>
@@ -2826,8 +3420,48 @@
 </cs:colorStyle>
 </file>
 
+<file path=ppt/charts/colors5.xml><?xml version="1.0" encoding="utf-8"?>
+<cs:colorStyle xmlns:cs="http://schemas.microsoft.com/office/drawing/2012/chartStyle" xmlns:a="http://schemas.openxmlformats.org/drawingml/2006/main" meth="cycle" id="10">
+  <a:schemeClr val="accent1"/>
+  <a:schemeClr val="accent2"/>
+  <a:schemeClr val="accent3"/>
+  <a:schemeClr val="accent4"/>
+  <a:schemeClr val="accent5"/>
+  <a:schemeClr val="accent6"/>
+  <cs:variation/>
+  <cs:variation>
+    <a:lumMod val="60000"/>
+  </cs:variation>
+  <cs:variation>
+    <a:lumMod val="80000"/>
+    <a:lumOff val="20000"/>
+  </cs:variation>
+  <cs:variation>
+    <a:lumMod val="80000"/>
+  </cs:variation>
+  <cs:variation>
+    <a:lumMod val="60000"/>
+    <a:lumOff val="40000"/>
+  </cs:variation>
+  <cs:variation>
+    <a:lumMod val="50000"/>
+  </cs:variation>
+  <cs:variation>
+    <a:lumMod val="70000"/>
+    <a:lumOff val="30000"/>
+  </cs:variation>
+  <cs:variation>
+    <a:lumMod val="70000"/>
+  </cs:variation>
+  <cs:variation>
+    <a:lumMod val="50000"/>
+    <a:lumOff val="50000"/>
+  </cs:variation>
+</cs:colorStyle>
+</file>
+
 <file path=ppt/charts/style1.xml><?xml version="1.0" encoding="utf-8"?>
-<cs:chartStyle xmlns:cs="http://schemas.microsoft.com/office/drawing/2012/chartStyle" xmlns:a="http://schemas.openxmlformats.org/drawingml/2006/main" id="332">
+<cs:chartStyle xmlns:cs="http://schemas.microsoft.com/office/drawing/2012/chartStyle" xmlns:a="http://schemas.openxmlformats.org/drawingml/2006/main" id="239">
   <cs:axisTitle>
     <cs:lnRef idx="0"/>
     <cs:fillRef idx="0"/>
@@ -2838,7 +3472,7 @@
         <a:lumOff val="35000"/>
       </a:schemeClr>
     </cs:fontRef>
-    <cs:defRPr sz="1330" kern="1200"/>
+    <cs:defRPr sz="900" kern="1200" cap="all"/>
   </cs:axisTitle>
   <cs:categoryAxis>
     <cs:lnRef idx="0"/>
@@ -2861,18 +3495,18 @@
         <a:round/>
       </a:ln>
     </cs:spPr>
-    <cs:defRPr sz="1197" kern="1200"/>
+    <cs:defRPr sz="800" kern="1200" cap="all" spc="120" normalizeH="0" baseline="0"/>
   </cs:categoryAxis>
   <cs:chartArea mods="allowNoFillOverride allowNoLineOverride">
     <cs:lnRef idx="0"/>
     <cs:fillRef idx="0"/>
     <cs:effectRef idx="0"/>
     <cs:fontRef idx="minor">
-      <a:schemeClr val="tx1"/>
+      <a:schemeClr val="dk1"/>
     </cs:fontRef>
     <cs:spPr>
       <a:solidFill>
-        <a:schemeClr val="bg1"/>
+        <a:schemeClr val="lt1"/>
       </a:solidFill>
       <a:ln w="9525" cap="flat" cmpd="sng" algn="ctr">
         <a:solidFill>
@@ -2884,7 +3518,7 @@
         <a:round/>
       </a:ln>
     </cs:spPr>
-    <cs:defRPr sz="1330" kern="1200"/>
+    <cs:defRPr sz="900" kern="1200"/>
   </cs:chartArea>
   <cs:dataLabel>
     <cs:lnRef idx="0"/>
@@ -2892,11 +3526,11 @@
     <cs:effectRef idx="0"/>
     <cs:fontRef idx="minor">
       <a:schemeClr val="tx1">
-        <a:lumMod val="75000"/>
-        <a:lumOff val="25000"/>
+        <a:lumMod val="50000"/>
+        <a:lumOff val="50000"/>
       </a:schemeClr>
     </cs:fontRef>
-    <cs:defRPr sz="1197" kern="1200"/>
+    <cs:defRPr sz="900" b="0" i="0" u="none" strike="noStrike" kern="1200" baseline="0"/>
   </cs:dataLabel>
   <cs:dataLabelCallout>
     <cs:lnRef idx="0"/>
@@ -2921,42 +3555,52 @@
         </a:solidFill>
       </a:ln>
     </cs:spPr>
-    <cs:defRPr sz="1197" kern="1200"/>
+    <cs:defRPr sz="900" kern="1200"/>
     <cs:bodyPr rot="0" spcFirstLastPara="1" vertOverflow="clip" horzOverflow="clip" vert="horz" wrap="square" lIns="36576" tIns="18288" rIns="36576" bIns="18288" anchor="ctr" anchorCtr="1">
       <a:spAutoFit/>
     </cs:bodyPr>
   </cs:dataLabelCallout>
   <cs:dataPoint>
     <cs:lnRef idx="0"/>
-    <cs:fillRef idx="1">
+    <cs:fillRef idx="0">
       <cs:styleClr val="auto"/>
     </cs:fillRef>
     <cs:effectRef idx="0"/>
     <cs:fontRef idx="minor">
-      <a:schemeClr val="tx1"/>
+      <a:schemeClr val="dk1"/>
     </cs:fontRef>
+    <cs:spPr>
+      <a:solidFill>
+        <a:schemeClr val="phClr"/>
+      </a:solidFill>
+    </cs:spPr>
   </cs:dataPoint>
   <cs:dataPoint3D>
     <cs:lnRef idx="0"/>
-    <cs:fillRef idx="1">
+    <cs:fillRef idx="0">
       <cs:styleClr val="auto"/>
     </cs:fillRef>
     <cs:effectRef idx="0"/>
     <cs:fontRef idx="minor">
-      <a:schemeClr val="tx1"/>
+      <a:schemeClr val="dk1"/>
     </cs:fontRef>
+    <cs:spPr>
+      <a:solidFill>
+        <a:schemeClr val="phClr"/>
+      </a:solidFill>
+    </cs:spPr>
   </cs:dataPoint3D>
   <cs:dataPointLine>
     <cs:lnRef idx="0">
       <cs:styleClr val="auto"/>
     </cs:lnRef>
-    <cs:fillRef idx="1"/>
+    <cs:fillRef idx="0"/>
     <cs:effectRef idx="0"/>
     <cs:fontRef idx="minor">
-      <a:schemeClr val="tx1"/>
+      <a:schemeClr val="dk1"/>
     </cs:fontRef>
     <cs:spPr>
-      <a:ln w="28575" cap="rnd">
+      <a:ln w="22225" cap="rnd">
         <a:solidFill>
           <a:schemeClr val="phClr"/>
         </a:solidFill>
@@ -2968,30 +3612,34 @@
     <cs:lnRef idx="0">
       <cs:styleClr val="auto"/>
     </cs:lnRef>
-    <cs:fillRef idx="1">
+    <cs:fillRef idx="0">
       <cs:styleClr val="auto"/>
     </cs:fillRef>
     <cs:effectRef idx="0"/>
     <cs:fontRef idx="minor">
-      <a:schemeClr val="tx1"/>
+      <a:schemeClr val="dk1"/>
     </cs:fontRef>
     <cs:spPr>
+      <a:solidFill>
+        <a:schemeClr val="phClr"/>
+      </a:solidFill>
       <a:ln w="9525">
         <a:solidFill>
           <a:schemeClr val="phClr"/>
         </a:solidFill>
+        <a:round/>
       </a:ln>
     </cs:spPr>
   </cs:dataPointMarker>
-  <cs:dataPointMarkerLayout symbol="circle" size="5"/>
+  <cs:dataPointMarkerLayout size="6"/>
   <cs:dataPointWireframe>
     <cs:lnRef idx="0">
       <cs:styleClr val="auto"/>
     </cs:lnRef>
-    <cs:fillRef idx="1"/>
+    <cs:fillRef idx="0"/>
     <cs:effectRef idx="0"/>
     <cs:fontRef idx="minor">
-      <a:schemeClr val="tx1"/>
+      <a:schemeClr val="dk1"/>
     </cs:fontRef>
     <cs:spPr>
       <a:ln w="9525" cap="rnd">
@@ -3013,18 +3661,16 @@
       </a:schemeClr>
     </cs:fontRef>
     <cs:spPr>
-      <a:noFill/>
-      <a:ln w="9525" cap="flat" cmpd="sng" algn="ctr">
+      <a:ln w="9525">
         <a:solidFill>
           <a:schemeClr val="tx1">
             <a:lumMod val="15000"/>
             <a:lumOff val="85000"/>
           </a:schemeClr>
         </a:solidFill>
-        <a:round/>
       </a:ln>
     </cs:spPr>
-    <cs:defRPr sz="1197" kern="1200"/>
+    <cs:defRPr sz="900" kern="1200"/>
   </cs:dataTable>
   <cs:downBar>
     <cs:lnRef idx="0"/>
@@ -3036,15 +3682,15 @@
     <cs:spPr>
       <a:solidFill>
         <a:schemeClr val="dk1">
-          <a:lumMod val="65000"/>
-          <a:lumOff val="35000"/>
+          <a:lumMod val="75000"/>
+          <a:lumOff val="25000"/>
         </a:schemeClr>
       </a:solidFill>
       <a:ln w="9525">
         <a:solidFill>
           <a:schemeClr val="tx1">
-            <a:lumMod val="65000"/>
-            <a:lumOff val="35000"/>
+            <a:lumMod val="15000"/>
+            <a:lumOff val="85000"/>
           </a:schemeClr>
         </a:solidFill>
       </a:ln>
@@ -3055,17 +3701,16 @@
     <cs:fillRef idx="0"/>
     <cs:effectRef idx="0"/>
     <cs:fontRef idx="minor">
-      <a:schemeClr val="tx1"/>
+      <a:schemeClr val="dk1"/>
     </cs:fontRef>
     <cs:spPr>
-      <a:ln w="9525" cap="flat" cmpd="sng" algn="ctr">
+      <a:ln w="9525">
         <a:solidFill>
           <a:schemeClr val="tx1">
             <a:lumMod val="35000"/>
             <a:lumOff val="65000"/>
           </a:schemeClr>
         </a:solidFill>
-        <a:round/>
       </a:ln>
     </cs:spPr>
   </cs:dropLine>
@@ -3074,10 +3719,10 @@
     <cs:fillRef idx="0"/>
     <cs:effectRef idx="0"/>
     <cs:fontRef idx="minor">
-      <a:schemeClr val="tx1"/>
+      <a:schemeClr val="dk1"/>
     </cs:fontRef>
     <cs:spPr>
-      <a:ln w="9525" cap="flat" cmpd="sng" algn="ctr">
+      <a:ln w="9525">
         <a:solidFill>
           <a:schemeClr val="tx1">
             <a:lumMod val="65000"/>
@@ -3093,21 +3738,15 @@
     <cs:fillRef idx="0"/>
     <cs:effectRef idx="0"/>
     <cs:fontRef idx="minor">
-      <a:schemeClr val="tx1"/>
+      <a:schemeClr val="dk1"/>
     </cs:fontRef>
-    <cs:spPr>
-      <a:noFill/>
-      <a:ln>
-        <a:noFill/>
-      </a:ln>
-    </cs:spPr>
   </cs:floor>
   <cs:gridlineMajor>
     <cs:lnRef idx="0"/>
     <cs:fillRef idx="0"/>
     <cs:effectRef idx="0"/>
     <cs:fontRef idx="minor">
-      <a:schemeClr val="tx1"/>
+      <a:schemeClr val="dk1"/>
     </cs:fontRef>
     <cs:spPr>
       <a:ln w="9525" cap="flat" cmpd="sng" algn="ctr">
@@ -3126,17 +3765,16 @@
     <cs:fillRef idx="0"/>
     <cs:effectRef idx="0"/>
     <cs:fontRef idx="minor">
-      <a:schemeClr val="tx1"/>
+      <a:schemeClr val="dk1"/>
     </cs:fontRef>
     <cs:spPr>
-      <a:ln w="9525" cap="flat" cmpd="sng" algn="ctr">
+      <a:ln>
         <a:solidFill>
           <a:schemeClr val="tx1">
             <a:lumMod val="5000"/>
             <a:lumOff val="95000"/>
           </a:schemeClr>
         </a:solidFill>
-        <a:round/>
       </a:ln>
     </cs:spPr>
   </cs:gridlineMinor>
@@ -3145,17 +3783,16 @@
     <cs:fillRef idx="0"/>
     <cs:effectRef idx="0"/>
     <cs:fontRef idx="minor">
-      <a:schemeClr val="tx1"/>
+      <a:schemeClr val="dk1"/>
     </cs:fontRef>
     <cs:spPr>
-      <a:ln w="9525" cap="flat" cmpd="sng" algn="ctr">
+      <a:ln w="9525">
         <a:solidFill>
           <a:schemeClr val="tx1">
-            <a:lumMod val="75000"/>
-            <a:lumOff val="25000"/>
+            <a:lumMod val="50000"/>
+            <a:lumOff val="50000"/>
           </a:schemeClr>
         </a:solidFill>
-        <a:round/>
       </a:ln>
     </cs:spPr>
   </cs:hiLoLine>
@@ -3164,17 +3801,16 @@
     <cs:fillRef idx="0"/>
     <cs:effectRef idx="0"/>
     <cs:fontRef idx="minor">
-      <a:schemeClr val="tx1"/>
+      <a:schemeClr val="dk1"/>
     </cs:fontRef>
     <cs:spPr>
-      <a:ln w="9525" cap="flat" cmpd="sng" algn="ctr">
+      <a:ln w="9525">
         <a:solidFill>
           <a:schemeClr val="tx1">
             <a:lumMod val="35000"/>
             <a:lumOff val="65000"/>
           </a:schemeClr>
         </a:solidFill>
-        <a:round/>
       </a:ln>
     </cs:spPr>
   </cs:leaderLine>
@@ -3188,14 +3824,14 @@
         <a:lumOff val="35000"/>
       </a:schemeClr>
     </cs:fontRef>
-    <cs:defRPr sz="1197" kern="1200"/>
+    <cs:defRPr sz="900" kern="1200"/>
   </cs:legend>
   <cs:plotArea mods="allowNoFillOverride allowNoLineOverride">
     <cs:lnRef idx="0"/>
     <cs:fillRef idx="0"/>
     <cs:effectRef idx="0"/>
     <cs:fontRef idx="minor">
-      <a:schemeClr val="tx1"/>
+      <a:schemeClr val="dk1"/>
     </cs:fontRef>
   </cs:plotArea>
   <cs:plotArea3D mods="allowNoFillOverride allowNoLineOverride">
@@ -3203,7 +3839,7 @@
     <cs:fillRef idx="0"/>
     <cs:effectRef idx="0"/>
     <cs:fontRef idx="minor">
-      <a:schemeClr val="tx1"/>
+      <a:schemeClr val="dk1"/>
     </cs:fontRef>
   </cs:plotArea3D>
   <cs:seriesAxis>
@@ -3216,17 +3852,28 @@
         <a:lumOff val="35000"/>
       </a:schemeClr>
     </cs:fontRef>
-    <cs:defRPr sz="1197" kern="1200"/>
+    <cs:spPr>
+      <a:ln w="9525" cap="flat" cmpd="sng" algn="ctr">
+        <a:solidFill>
+          <a:schemeClr val="tx1">
+            <a:lumMod val="15000"/>
+            <a:lumOff val="85000"/>
+          </a:schemeClr>
+        </a:solidFill>
+        <a:round/>
+      </a:ln>
+    </cs:spPr>
+    <cs:defRPr sz="900" kern="1200"/>
   </cs:seriesAxis>
   <cs:seriesLine>
     <cs:lnRef idx="0"/>
     <cs:fillRef idx="0"/>
     <cs:effectRef idx="0"/>
     <cs:fontRef idx="minor">
-      <a:schemeClr val="tx1"/>
+      <a:schemeClr val="dk1"/>
     </cs:fontRef>
     <cs:spPr>
-      <a:ln w="9525" cap="flat" cmpd="sng" algn="ctr">
+      <a:ln w="9525">
         <a:solidFill>
           <a:schemeClr val="tx1">
             <a:lumMod val="35000"/>
@@ -3247,7 +3894,7 @@
         <a:lumOff val="35000"/>
       </a:schemeClr>
     </cs:fontRef>
-    <cs:defRPr sz="1862" b="0" kern="1200" spc="0" baseline="0"/>
+    <cs:defRPr sz="1600" b="1" kern="1200" cap="all" spc="120" normalizeH="0" baseline="0"/>
   </cs:title>
   <cs:trendline>
     <cs:lnRef idx="0">
@@ -3256,14 +3903,14 @@
     <cs:fillRef idx="0"/>
     <cs:effectRef idx="0"/>
     <cs:fontRef idx="minor">
-      <a:schemeClr val="tx1"/>
+      <a:schemeClr val="dk1"/>
     </cs:fontRef>
     <cs:spPr>
       <a:ln w="19050" cap="rnd">
         <a:solidFill>
           <a:schemeClr val="phClr"/>
         </a:solidFill>
-        <a:prstDash val="sysDot"/>
+        <a:prstDash val="sysDash"/>
       </a:ln>
     </cs:spPr>
   </cs:trendline>
@@ -3277,7 +3924,7 @@
         <a:lumOff val="35000"/>
       </a:schemeClr>
     </cs:fontRef>
-    <cs:defRPr sz="1197" kern="1200"/>
+    <cs:defRPr sz="800" kern="1200"/>
   </cs:trendlineLabel>
   <cs:upBar>
     <cs:lnRef idx="0"/>
@@ -3293,8 +3940,8 @@
       <a:ln w="9525">
         <a:solidFill>
           <a:schemeClr val="tx1">
-            <a:lumMod val="15000"/>
-            <a:lumOff val="85000"/>
+            <a:lumMod val="65000"/>
+            <a:lumOff val="35000"/>
           </a:schemeClr>
         </a:solidFill>
       </a:ln>
@@ -3310,21 +3957,26 @@
         <a:lumOff val="35000"/>
       </a:schemeClr>
     </cs:fontRef>
-    <cs:defRPr sz="1197" kern="1200"/>
+    <cs:spPr>
+      <a:ln w="9525" cap="flat" cmpd="sng" algn="ctr">
+        <a:solidFill>
+          <a:schemeClr val="dk1">
+            <a:lumMod val="15000"/>
+            <a:lumOff val="85000"/>
+          </a:schemeClr>
+        </a:solidFill>
+        <a:round/>
+      </a:ln>
+    </cs:spPr>
+    <cs:defRPr sz="900" kern="1200"/>
   </cs:valueAxis>
   <cs:wall>
     <cs:lnRef idx="0"/>
     <cs:fillRef idx="0"/>
     <cs:effectRef idx="0"/>
     <cs:fontRef idx="minor">
-      <a:schemeClr val="tx1"/>
+      <a:schemeClr val="dk1"/>
     </cs:fontRef>
-    <cs:spPr>
-      <a:noFill/>
-      <a:ln>
-        <a:noFill/>
-      </a:ln>
-    </cs:spPr>
   </cs:wall>
 </cs:chartStyle>
 </file>
@@ -4347,6 +4999,509 @@
         <a:lumOff val="35000"/>
       </a:schemeClr>
     </cs:fontRef>
+    <cs:defRPr sz="1330" kern="1200"/>
+  </cs:axisTitle>
+  <cs:categoryAxis>
+    <cs:lnRef idx="0"/>
+    <cs:fillRef idx="0"/>
+    <cs:effectRef idx="0"/>
+    <cs:fontRef idx="minor">
+      <a:schemeClr val="tx1">
+        <a:lumMod val="65000"/>
+        <a:lumOff val="35000"/>
+      </a:schemeClr>
+    </cs:fontRef>
+    <cs:spPr>
+      <a:ln w="9525" cap="flat" cmpd="sng" algn="ctr">
+        <a:solidFill>
+          <a:schemeClr val="tx1">
+            <a:lumMod val="15000"/>
+            <a:lumOff val="85000"/>
+          </a:schemeClr>
+        </a:solidFill>
+        <a:round/>
+      </a:ln>
+    </cs:spPr>
+    <cs:defRPr sz="1197" kern="1200"/>
+  </cs:categoryAxis>
+  <cs:chartArea mods="allowNoFillOverride allowNoLineOverride">
+    <cs:lnRef idx="0"/>
+    <cs:fillRef idx="0"/>
+    <cs:effectRef idx="0"/>
+    <cs:fontRef idx="minor">
+      <a:schemeClr val="tx1"/>
+    </cs:fontRef>
+    <cs:spPr>
+      <a:solidFill>
+        <a:schemeClr val="bg1"/>
+      </a:solidFill>
+      <a:ln w="9525" cap="flat" cmpd="sng" algn="ctr">
+        <a:solidFill>
+          <a:schemeClr val="tx1">
+            <a:lumMod val="15000"/>
+            <a:lumOff val="85000"/>
+          </a:schemeClr>
+        </a:solidFill>
+        <a:round/>
+      </a:ln>
+    </cs:spPr>
+    <cs:defRPr sz="1330" kern="1200"/>
+  </cs:chartArea>
+  <cs:dataLabel>
+    <cs:lnRef idx="0"/>
+    <cs:fillRef idx="0"/>
+    <cs:effectRef idx="0"/>
+    <cs:fontRef idx="minor">
+      <a:schemeClr val="tx1">
+        <a:lumMod val="75000"/>
+        <a:lumOff val="25000"/>
+      </a:schemeClr>
+    </cs:fontRef>
+    <cs:defRPr sz="1197" kern="1200"/>
+  </cs:dataLabel>
+  <cs:dataLabelCallout>
+    <cs:lnRef idx="0"/>
+    <cs:fillRef idx="0"/>
+    <cs:effectRef idx="0"/>
+    <cs:fontRef idx="minor">
+      <a:schemeClr val="dk1">
+        <a:lumMod val="65000"/>
+        <a:lumOff val="35000"/>
+      </a:schemeClr>
+    </cs:fontRef>
+    <cs:spPr>
+      <a:solidFill>
+        <a:schemeClr val="lt1"/>
+      </a:solidFill>
+      <a:ln>
+        <a:solidFill>
+          <a:schemeClr val="dk1">
+            <a:lumMod val="25000"/>
+            <a:lumOff val="75000"/>
+          </a:schemeClr>
+        </a:solidFill>
+      </a:ln>
+    </cs:spPr>
+    <cs:defRPr sz="1197" kern="1200"/>
+    <cs:bodyPr rot="0" spcFirstLastPara="1" vertOverflow="clip" horzOverflow="clip" vert="horz" wrap="square" lIns="36576" tIns="18288" rIns="36576" bIns="18288" anchor="ctr" anchorCtr="1">
+      <a:spAutoFit/>
+    </cs:bodyPr>
+  </cs:dataLabelCallout>
+  <cs:dataPoint>
+    <cs:lnRef idx="0"/>
+    <cs:fillRef idx="1">
+      <cs:styleClr val="auto"/>
+    </cs:fillRef>
+    <cs:effectRef idx="0"/>
+    <cs:fontRef idx="minor">
+      <a:schemeClr val="tx1"/>
+    </cs:fontRef>
+  </cs:dataPoint>
+  <cs:dataPoint3D>
+    <cs:lnRef idx="0"/>
+    <cs:fillRef idx="1">
+      <cs:styleClr val="auto"/>
+    </cs:fillRef>
+    <cs:effectRef idx="0"/>
+    <cs:fontRef idx="minor">
+      <a:schemeClr val="tx1"/>
+    </cs:fontRef>
+  </cs:dataPoint3D>
+  <cs:dataPointLine>
+    <cs:lnRef idx="0">
+      <cs:styleClr val="auto"/>
+    </cs:lnRef>
+    <cs:fillRef idx="1"/>
+    <cs:effectRef idx="0"/>
+    <cs:fontRef idx="minor">
+      <a:schemeClr val="tx1"/>
+    </cs:fontRef>
+    <cs:spPr>
+      <a:ln w="28575" cap="rnd">
+        <a:solidFill>
+          <a:schemeClr val="phClr"/>
+        </a:solidFill>
+        <a:round/>
+      </a:ln>
+    </cs:spPr>
+  </cs:dataPointLine>
+  <cs:dataPointMarker>
+    <cs:lnRef idx="0">
+      <cs:styleClr val="auto"/>
+    </cs:lnRef>
+    <cs:fillRef idx="1">
+      <cs:styleClr val="auto"/>
+    </cs:fillRef>
+    <cs:effectRef idx="0"/>
+    <cs:fontRef idx="minor">
+      <a:schemeClr val="tx1"/>
+    </cs:fontRef>
+    <cs:spPr>
+      <a:ln w="9525">
+        <a:solidFill>
+          <a:schemeClr val="phClr"/>
+        </a:solidFill>
+      </a:ln>
+    </cs:spPr>
+  </cs:dataPointMarker>
+  <cs:dataPointMarkerLayout symbol="circle" size="5"/>
+  <cs:dataPointWireframe>
+    <cs:lnRef idx="0">
+      <cs:styleClr val="auto"/>
+    </cs:lnRef>
+    <cs:fillRef idx="1"/>
+    <cs:effectRef idx="0"/>
+    <cs:fontRef idx="minor">
+      <a:schemeClr val="tx1"/>
+    </cs:fontRef>
+    <cs:spPr>
+      <a:ln w="9525" cap="rnd">
+        <a:solidFill>
+          <a:schemeClr val="phClr"/>
+        </a:solidFill>
+        <a:round/>
+      </a:ln>
+    </cs:spPr>
+  </cs:dataPointWireframe>
+  <cs:dataTable>
+    <cs:lnRef idx="0"/>
+    <cs:fillRef idx="0"/>
+    <cs:effectRef idx="0"/>
+    <cs:fontRef idx="minor">
+      <a:schemeClr val="tx1">
+        <a:lumMod val="65000"/>
+        <a:lumOff val="35000"/>
+      </a:schemeClr>
+    </cs:fontRef>
+    <cs:spPr>
+      <a:noFill/>
+      <a:ln w="9525" cap="flat" cmpd="sng" algn="ctr">
+        <a:solidFill>
+          <a:schemeClr val="tx1">
+            <a:lumMod val="15000"/>
+            <a:lumOff val="85000"/>
+          </a:schemeClr>
+        </a:solidFill>
+        <a:round/>
+      </a:ln>
+    </cs:spPr>
+    <cs:defRPr sz="1197" kern="1200"/>
+  </cs:dataTable>
+  <cs:downBar>
+    <cs:lnRef idx="0"/>
+    <cs:fillRef idx="0"/>
+    <cs:effectRef idx="0"/>
+    <cs:fontRef idx="minor">
+      <a:schemeClr val="dk1"/>
+    </cs:fontRef>
+    <cs:spPr>
+      <a:solidFill>
+        <a:schemeClr val="dk1">
+          <a:lumMod val="65000"/>
+          <a:lumOff val="35000"/>
+        </a:schemeClr>
+      </a:solidFill>
+      <a:ln w="9525">
+        <a:solidFill>
+          <a:schemeClr val="tx1">
+            <a:lumMod val="65000"/>
+            <a:lumOff val="35000"/>
+          </a:schemeClr>
+        </a:solidFill>
+      </a:ln>
+    </cs:spPr>
+  </cs:downBar>
+  <cs:dropLine>
+    <cs:lnRef idx="0"/>
+    <cs:fillRef idx="0"/>
+    <cs:effectRef idx="0"/>
+    <cs:fontRef idx="minor">
+      <a:schemeClr val="tx1"/>
+    </cs:fontRef>
+    <cs:spPr>
+      <a:ln w="9525" cap="flat" cmpd="sng" algn="ctr">
+        <a:solidFill>
+          <a:schemeClr val="tx1">
+            <a:lumMod val="35000"/>
+            <a:lumOff val="65000"/>
+          </a:schemeClr>
+        </a:solidFill>
+        <a:round/>
+      </a:ln>
+    </cs:spPr>
+  </cs:dropLine>
+  <cs:errorBar>
+    <cs:lnRef idx="0"/>
+    <cs:fillRef idx="0"/>
+    <cs:effectRef idx="0"/>
+    <cs:fontRef idx="minor">
+      <a:schemeClr val="tx1"/>
+    </cs:fontRef>
+    <cs:spPr>
+      <a:ln w="9525" cap="flat" cmpd="sng" algn="ctr">
+        <a:solidFill>
+          <a:schemeClr val="tx1">
+            <a:lumMod val="65000"/>
+            <a:lumOff val="35000"/>
+          </a:schemeClr>
+        </a:solidFill>
+        <a:round/>
+      </a:ln>
+    </cs:spPr>
+  </cs:errorBar>
+  <cs:floor>
+    <cs:lnRef idx="0"/>
+    <cs:fillRef idx="0"/>
+    <cs:effectRef idx="0"/>
+    <cs:fontRef idx="minor">
+      <a:schemeClr val="tx1"/>
+    </cs:fontRef>
+    <cs:spPr>
+      <a:noFill/>
+      <a:ln>
+        <a:noFill/>
+      </a:ln>
+    </cs:spPr>
+  </cs:floor>
+  <cs:gridlineMajor>
+    <cs:lnRef idx="0"/>
+    <cs:fillRef idx="0"/>
+    <cs:effectRef idx="0"/>
+    <cs:fontRef idx="minor">
+      <a:schemeClr val="tx1"/>
+    </cs:fontRef>
+    <cs:spPr>
+      <a:ln w="9525" cap="flat" cmpd="sng" algn="ctr">
+        <a:solidFill>
+          <a:schemeClr val="tx1">
+            <a:lumMod val="15000"/>
+            <a:lumOff val="85000"/>
+          </a:schemeClr>
+        </a:solidFill>
+        <a:round/>
+      </a:ln>
+    </cs:spPr>
+  </cs:gridlineMajor>
+  <cs:gridlineMinor>
+    <cs:lnRef idx="0"/>
+    <cs:fillRef idx="0"/>
+    <cs:effectRef idx="0"/>
+    <cs:fontRef idx="minor">
+      <a:schemeClr val="tx1"/>
+    </cs:fontRef>
+    <cs:spPr>
+      <a:ln w="9525" cap="flat" cmpd="sng" algn="ctr">
+        <a:solidFill>
+          <a:schemeClr val="tx1">
+            <a:lumMod val="5000"/>
+            <a:lumOff val="95000"/>
+          </a:schemeClr>
+        </a:solidFill>
+        <a:round/>
+      </a:ln>
+    </cs:spPr>
+  </cs:gridlineMinor>
+  <cs:hiLoLine>
+    <cs:lnRef idx="0"/>
+    <cs:fillRef idx="0"/>
+    <cs:effectRef idx="0"/>
+    <cs:fontRef idx="minor">
+      <a:schemeClr val="tx1"/>
+    </cs:fontRef>
+    <cs:spPr>
+      <a:ln w="9525" cap="flat" cmpd="sng" algn="ctr">
+        <a:solidFill>
+          <a:schemeClr val="tx1">
+            <a:lumMod val="75000"/>
+            <a:lumOff val="25000"/>
+          </a:schemeClr>
+        </a:solidFill>
+        <a:round/>
+      </a:ln>
+    </cs:spPr>
+  </cs:hiLoLine>
+  <cs:leaderLine>
+    <cs:lnRef idx="0"/>
+    <cs:fillRef idx="0"/>
+    <cs:effectRef idx="0"/>
+    <cs:fontRef idx="minor">
+      <a:schemeClr val="tx1"/>
+    </cs:fontRef>
+    <cs:spPr>
+      <a:ln w="9525" cap="flat" cmpd="sng" algn="ctr">
+        <a:solidFill>
+          <a:schemeClr val="tx1">
+            <a:lumMod val="35000"/>
+            <a:lumOff val="65000"/>
+          </a:schemeClr>
+        </a:solidFill>
+        <a:round/>
+      </a:ln>
+    </cs:spPr>
+  </cs:leaderLine>
+  <cs:legend>
+    <cs:lnRef idx="0"/>
+    <cs:fillRef idx="0"/>
+    <cs:effectRef idx="0"/>
+    <cs:fontRef idx="minor">
+      <a:schemeClr val="tx1">
+        <a:lumMod val="65000"/>
+        <a:lumOff val="35000"/>
+      </a:schemeClr>
+    </cs:fontRef>
+    <cs:defRPr sz="1197" kern="1200"/>
+  </cs:legend>
+  <cs:plotArea mods="allowNoFillOverride allowNoLineOverride">
+    <cs:lnRef idx="0"/>
+    <cs:fillRef idx="0"/>
+    <cs:effectRef idx="0"/>
+    <cs:fontRef idx="minor">
+      <a:schemeClr val="tx1"/>
+    </cs:fontRef>
+  </cs:plotArea>
+  <cs:plotArea3D mods="allowNoFillOverride allowNoLineOverride">
+    <cs:lnRef idx="0"/>
+    <cs:fillRef idx="0"/>
+    <cs:effectRef idx="0"/>
+    <cs:fontRef idx="minor">
+      <a:schemeClr val="tx1"/>
+    </cs:fontRef>
+  </cs:plotArea3D>
+  <cs:seriesAxis>
+    <cs:lnRef idx="0"/>
+    <cs:fillRef idx="0"/>
+    <cs:effectRef idx="0"/>
+    <cs:fontRef idx="minor">
+      <a:schemeClr val="tx1">
+        <a:lumMod val="65000"/>
+        <a:lumOff val="35000"/>
+      </a:schemeClr>
+    </cs:fontRef>
+    <cs:defRPr sz="1197" kern="1200"/>
+  </cs:seriesAxis>
+  <cs:seriesLine>
+    <cs:lnRef idx="0"/>
+    <cs:fillRef idx="0"/>
+    <cs:effectRef idx="0"/>
+    <cs:fontRef idx="minor">
+      <a:schemeClr val="tx1"/>
+    </cs:fontRef>
+    <cs:spPr>
+      <a:ln w="9525" cap="flat" cmpd="sng" algn="ctr">
+        <a:solidFill>
+          <a:schemeClr val="tx1">
+            <a:lumMod val="35000"/>
+            <a:lumOff val="65000"/>
+          </a:schemeClr>
+        </a:solidFill>
+        <a:round/>
+      </a:ln>
+    </cs:spPr>
+  </cs:seriesLine>
+  <cs:title>
+    <cs:lnRef idx="0"/>
+    <cs:fillRef idx="0"/>
+    <cs:effectRef idx="0"/>
+    <cs:fontRef idx="minor">
+      <a:schemeClr val="tx1">
+        <a:lumMod val="65000"/>
+        <a:lumOff val="35000"/>
+      </a:schemeClr>
+    </cs:fontRef>
+    <cs:defRPr sz="1862" b="0" kern="1200" spc="0" baseline="0"/>
+  </cs:title>
+  <cs:trendline>
+    <cs:lnRef idx="0">
+      <cs:styleClr val="auto"/>
+    </cs:lnRef>
+    <cs:fillRef idx="0"/>
+    <cs:effectRef idx="0"/>
+    <cs:fontRef idx="minor">
+      <a:schemeClr val="tx1"/>
+    </cs:fontRef>
+    <cs:spPr>
+      <a:ln w="19050" cap="rnd">
+        <a:solidFill>
+          <a:schemeClr val="phClr"/>
+        </a:solidFill>
+        <a:prstDash val="sysDot"/>
+      </a:ln>
+    </cs:spPr>
+  </cs:trendline>
+  <cs:trendlineLabel>
+    <cs:lnRef idx="0"/>
+    <cs:fillRef idx="0"/>
+    <cs:effectRef idx="0"/>
+    <cs:fontRef idx="minor">
+      <a:schemeClr val="tx1">
+        <a:lumMod val="65000"/>
+        <a:lumOff val="35000"/>
+      </a:schemeClr>
+    </cs:fontRef>
+    <cs:defRPr sz="1197" kern="1200"/>
+  </cs:trendlineLabel>
+  <cs:upBar>
+    <cs:lnRef idx="0"/>
+    <cs:fillRef idx="0"/>
+    <cs:effectRef idx="0"/>
+    <cs:fontRef idx="minor">
+      <a:schemeClr val="dk1"/>
+    </cs:fontRef>
+    <cs:spPr>
+      <a:solidFill>
+        <a:schemeClr val="lt1"/>
+      </a:solidFill>
+      <a:ln w="9525">
+        <a:solidFill>
+          <a:schemeClr val="tx1">
+            <a:lumMod val="15000"/>
+            <a:lumOff val="85000"/>
+          </a:schemeClr>
+        </a:solidFill>
+      </a:ln>
+    </cs:spPr>
+  </cs:upBar>
+  <cs:valueAxis>
+    <cs:lnRef idx="0"/>
+    <cs:fillRef idx="0"/>
+    <cs:effectRef idx="0"/>
+    <cs:fontRef idx="minor">
+      <a:schemeClr val="tx1">
+        <a:lumMod val="65000"/>
+        <a:lumOff val="35000"/>
+      </a:schemeClr>
+    </cs:fontRef>
+    <cs:defRPr sz="1197" kern="1200"/>
+  </cs:valueAxis>
+  <cs:wall>
+    <cs:lnRef idx="0"/>
+    <cs:fillRef idx="0"/>
+    <cs:effectRef idx="0"/>
+    <cs:fontRef idx="minor">
+      <a:schemeClr val="tx1"/>
+    </cs:fontRef>
+    <cs:spPr>
+      <a:noFill/>
+      <a:ln>
+        <a:noFill/>
+      </a:ln>
+    </cs:spPr>
+  </cs:wall>
+</cs:chartStyle>
+</file>
+
+<file path=ppt/charts/style5.xml><?xml version="1.0" encoding="utf-8"?>
+<cs:chartStyle xmlns:cs="http://schemas.microsoft.com/office/drawing/2012/chartStyle" xmlns:a="http://schemas.openxmlformats.org/drawingml/2006/main" id="332">
+  <cs:axisTitle>
+    <cs:lnRef idx="0"/>
+    <cs:fillRef idx="0"/>
+    <cs:effectRef idx="0"/>
+    <cs:fontRef idx="minor">
+      <a:schemeClr val="tx1">
+        <a:lumMod val="65000"/>
+        <a:lumOff val="35000"/>
+      </a:schemeClr>
+    </cs:fontRef>
     <cs:defRPr sz="1000" kern="1200"/>
   </cs:axisTitle>
   <cs:categoryAxis>
@@ -9023,8 +10178,8 @@
         </p:nvSpPr>
         <p:spPr>
           <a:xfrm>
-            <a:off x="7865335" y="4916734"/>
-            <a:ext cx="3660679" cy="1200329"/>
+            <a:off x="7770486" y="4362737"/>
+            <a:ext cx="3660679" cy="1754326"/>
           </a:xfrm>
           <a:prstGeom prst="rect">
             <a:avLst/>
@@ -9070,6 +10225,18 @@
                 <a:cs typeface="Times New Roman" panose="02020603050405020304" pitchFamily="18" charset="0"/>
               </a:rPr>
               <a:t>Научный руководитель: Ухов П.А.</a:t>
+            </a:r>
+          </a:p>
+          <a:p>
+            <a:r>
+              <a:rPr lang="ru-RU" sz="1800" dirty="0">
+                <a:solidFill>
+                  <a:schemeClr val="tx1"/>
+                </a:solidFill>
+                <a:latin typeface="Times New Roman" panose="02020603050405020304" pitchFamily="18" charset="0"/>
+                <a:cs typeface="Times New Roman" panose="02020603050405020304" pitchFamily="18" charset="0"/>
+              </a:rPr>
+              <a:t>Научная степень: к.т.н., доцент, доцент каф. 806</a:t>
             </a:r>
           </a:p>
           <a:p>
@@ -9486,7 +10653,7 @@
           <a:graphicData uri="http://schemas.openxmlformats.org/presentationml/2006/ole">
             <mc:AlternateContent xmlns:mc="http://schemas.openxmlformats.org/markup-compatibility/2006">
               <mc:Choice xmlns:v="urn:schemas-microsoft-com:vml" Requires="v">
-                <p:oleObj spid="_x0000_s4100" name="Формула" r:id="rId3" imgW="1701720" imgH="342720" progId="Equation.3">
+                <p:oleObj spid="_x0000_s4103" name="Формула" r:id="rId3" imgW="1701720" imgH="342720" progId="Equation.3">
                   <p:embed/>
                 </p:oleObj>
               </mc:Choice>
@@ -9994,7 +11161,7 @@
           <a:graphicData uri="http://schemas.openxmlformats.org/presentationml/2006/ole">
             <mc:AlternateContent xmlns:mc="http://schemas.openxmlformats.org/markup-compatibility/2006">
               <mc:Choice xmlns:v="urn:schemas-microsoft-com:vml" Requires="v">
-                <p:oleObj spid="_x0000_s5127" name="Формула" r:id="rId3" imgW="977476" imgH="203112" progId="Equation.3">
+                <p:oleObj spid="_x0000_s5133" name="Формула" r:id="rId3" imgW="977476" imgH="203112" progId="Equation.3">
                   <p:embed/>
                 </p:oleObj>
               </mc:Choice>
@@ -10148,7 +11315,7 @@
           <a:graphicData uri="http://schemas.openxmlformats.org/presentationml/2006/ole">
             <mc:AlternateContent xmlns:mc="http://schemas.openxmlformats.org/markup-compatibility/2006">
               <mc:Choice xmlns:v="urn:schemas-microsoft-com:vml" Requires="v">
-                <p:oleObj spid="_x0000_s5128" name="Формула" r:id="rId5" imgW="1485900" imgH="203200" progId="Equation.3">
+                <p:oleObj spid="_x0000_s5134" name="Формула" r:id="rId5" imgW="1485900" imgH="203200" progId="Equation.3">
                   <p:embed/>
                 </p:oleObj>
               </mc:Choice>
@@ -10508,7 +11675,7 @@
           <a:graphicData uri="http://schemas.openxmlformats.org/presentationml/2006/ole">
             <mc:AlternateContent xmlns:mc="http://schemas.openxmlformats.org/markup-compatibility/2006">
               <mc:Choice xmlns:v="urn:schemas-microsoft-com:vml" Requires="v">
-                <p:oleObj spid="_x0000_s6151" name="Формула" r:id="rId3" imgW="1079500" imgH="228600" progId="Equation.3">
+                <p:oleObj spid="_x0000_s6157" name="Формула" r:id="rId3" imgW="1079500" imgH="228600" progId="Equation.3">
                   <p:embed/>
                 </p:oleObj>
               </mc:Choice>
@@ -10662,7 +11829,7 @@
           <a:graphicData uri="http://schemas.openxmlformats.org/presentationml/2006/ole">
             <mc:AlternateContent xmlns:mc="http://schemas.openxmlformats.org/markup-compatibility/2006">
               <mc:Choice xmlns:v="urn:schemas-microsoft-com:vml" Requires="v">
-                <p:oleObj spid="_x0000_s6152" name="Формула" r:id="rId5" imgW="901309" imgH="203112" progId="Equation.3">
+                <p:oleObj spid="_x0000_s6158" name="Формула" r:id="rId5" imgW="901309" imgH="203112" progId="Equation.3">
                   <p:embed/>
                 </p:oleObj>
               </mc:Choice>
@@ -11115,7 +12282,7 @@
           <a:graphicData uri="http://schemas.openxmlformats.org/presentationml/2006/ole">
             <mc:AlternateContent xmlns:mc="http://schemas.openxmlformats.org/markup-compatibility/2006">
               <mc:Choice xmlns:v="urn:schemas-microsoft-com:vml" Requires="v">
-                <p:oleObj spid="_x0000_s7187" name="Формула" r:id="rId3" imgW="1460500" imgH="228600" progId="Equation.3">
+                <p:oleObj spid="_x0000_s7205" name="Формула" r:id="rId3" imgW="1460500" imgH="228600" progId="Equation.3">
                   <p:embed/>
                 </p:oleObj>
               </mc:Choice>
@@ -11269,7 +12436,7 @@
           <a:graphicData uri="http://schemas.openxmlformats.org/presentationml/2006/ole">
             <mc:AlternateContent xmlns:mc="http://schemas.openxmlformats.org/markup-compatibility/2006">
               <mc:Choice xmlns:v="urn:schemas-microsoft-com:vml" Requires="v">
-                <p:oleObj spid="_x0000_s7188" name="Формула" r:id="rId5" imgW="3479800" imgH="241300" progId="Equation.3">
+                <p:oleObj spid="_x0000_s7206" name="Формула" r:id="rId5" imgW="3479800" imgH="241300" progId="Equation.3">
                   <p:embed/>
                 </p:oleObj>
               </mc:Choice>
@@ -11423,7 +12590,7 @@
           <a:graphicData uri="http://schemas.openxmlformats.org/presentationml/2006/ole">
             <mc:AlternateContent xmlns:mc="http://schemas.openxmlformats.org/markup-compatibility/2006">
               <mc:Choice xmlns:v="urn:schemas-microsoft-com:vml" Requires="v">
-                <p:oleObj spid="_x0000_s7189" name="Формула" r:id="rId7" imgW="660113" imgH="215806" progId="Equation.3">
+                <p:oleObj spid="_x0000_s7207" name="Формула" r:id="rId7" imgW="660113" imgH="215806" progId="Equation.3">
                   <p:embed/>
                 </p:oleObj>
               </mc:Choice>
@@ -11577,7 +12744,7 @@
           <a:graphicData uri="http://schemas.openxmlformats.org/presentationml/2006/ole">
             <mc:AlternateContent xmlns:mc="http://schemas.openxmlformats.org/markup-compatibility/2006">
               <mc:Choice xmlns:v="urn:schemas-microsoft-com:vml" Requires="v">
-                <p:oleObj spid="_x0000_s7190" name="Формула" r:id="rId9" imgW="533169" imgH="228501" progId="Equation.3">
+                <p:oleObj spid="_x0000_s7208" name="Формула" r:id="rId9" imgW="533169" imgH="228501" progId="Equation.3">
                   <p:embed/>
                 </p:oleObj>
               </mc:Choice>
@@ -11731,7 +12898,7 @@
           <a:graphicData uri="http://schemas.openxmlformats.org/presentationml/2006/ole">
             <mc:AlternateContent xmlns:mc="http://schemas.openxmlformats.org/markup-compatibility/2006">
               <mc:Choice xmlns:v="urn:schemas-microsoft-com:vml" Requires="v">
-                <p:oleObj spid="_x0000_s7191" name="Формула" r:id="rId11" imgW="1028254" imgH="203112" progId="Equation.3">
+                <p:oleObj spid="_x0000_s7209" name="Формула" r:id="rId11" imgW="1028254" imgH="203112" progId="Equation.3">
                   <p:embed/>
                 </p:oleObj>
               </mc:Choice>
@@ -11885,7 +13052,7 @@
           <a:graphicData uri="http://schemas.openxmlformats.org/presentationml/2006/ole">
             <mc:AlternateContent xmlns:mc="http://schemas.openxmlformats.org/markup-compatibility/2006">
               <mc:Choice xmlns:v="urn:schemas-microsoft-com:vml" Requires="v">
-                <p:oleObj spid="_x0000_s7192" name="Формула" r:id="rId13" imgW="685800" imgH="203200" progId="Equation.3">
+                <p:oleObj spid="_x0000_s7210" name="Формула" r:id="rId13" imgW="685800" imgH="203200" progId="Equation.3">
                   <p:embed/>
                 </p:oleObj>
               </mc:Choice>
@@ -13586,7 +14753,7 @@
           <a:graphicData uri="http://schemas.openxmlformats.org/presentationml/2006/ole">
             <mc:AlternateContent xmlns:mc="http://schemas.openxmlformats.org/markup-compatibility/2006">
               <mc:Choice xmlns:v="urn:schemas-microsoft-com:vml" Requires="v">
-                <p:oleObj spid="_x0000_s1028" name="Формула" r:id="rId3" imgW="1143000" imgH="228600" progId="Equation.3">
+                <p:oleObj spid="_x0000_s1031" name="Формула" r:id="rId3" imgW="1143000" imgH="228600" progId="Equation.3">
                   <p:embed/>
                 </p:oleObj>
               </mc:Choice>
@@ -15529,7 +16696,7 @@
           <a:graphicData uri="http://schemas.openxmlformats.org/presentationml/2006/ole">
             <mc:AlternateContent xmlns:mc="http://schemas.openxmlformats.org/markup-compatibility/2006">
               <mc:Choice xmlns:v="urn:schemas-microsoft-com:vml" Requires="v">
-                <p:oleObj spid="_x0000_s2058" name="Формула" r:id="rId3" imgW="228600" imgH="203040" progId="Equation.3">
+                <p:oleObj spid="_x0000_s2067" name="Формула" r:id="rId3" imgW="228600" imgH="203040" progId="Equation.3">
                   <p:embed/>
                 </p:oleObj>
               </mc:Choice>
@@ -15641,7 +16808,7 @@
           <a:graphicData uri="http://schemas.openxmlformats.org/presentationml/2006/ole">
             <mc:AlternateContent xmlns:mc="http://schemas.openxmlformats.org/markup-compatibility/2006">
               <mc:Choice xmlns:v="urn:schemas-microsoft-com:vml" Requires="v">
-                <p:oleObj spid="_x0000_s2059" name="Формула" r:id="rId5" imgW="1104840" imgH="279360" progId="Equation.3">
+                <p:oleObj spid="_x0000_s2068" name="Формула" r:id="rId5" imgW="1104840" imgH="279360" progId="Equation.3">
                   <p:embed/>
                 </p:oleObj>
               </mc:Choice>
@@ -15752,7 +16919,7 @@
           <a:graphicData uri="http://schemas.openxmlformats.org/presentationml/2006/ole">
             <mc:AlternateContent xmlns:mc="http://schemas.openxmlformats.org/markup-compatibility/2006">
               <mc:Choice xmlns:v="urn:schemas-microsoft-com:vml" Requires="v">
-                <p:oleObj spid="_x0000_s2060" name="Формула" r:id="rId7" imgW="469800" imgH="177480" progId="Equation.3">
+                <p:oleObj spid="_x0000_s2069" name="Формула" r:id="rId7" imgW="469800" imgH="177480" progId="Equation.3">
                   <p:embed/>
                 </p:oleObj>
               </mc:Choice>
@@ -16607,7 +17774,7 @@
           <a:graphicData uri="http://schemas.openxmlformats.org/presentationml/2006/ole">
             <mc:AlternateContent xmlns:mc="http://schemas.openxmlformats.org/markup-compatibility/2006">
               <mc:Choice xmlns:v="urn:schemas-microsoft-com:vml" Requires="v">
-                <p:oleObj spid="_x0000_s3094" name="Формула" r:id="rId3" imgW="749160" imgH="203040" progId="Equation.3">
+                <p:oleObj spid="_x0000_s3115" name="Формула" r:id="rId3" imgW="749160" imgH="203040" progId="Equation.3">
                   <p:embed/>
                 </p:oleObj>
               </mc:Choice>
@@ -16719,7 +17886,7 @@
           <a:graphicData uri="http://schemas.openxmlformats.org/presentationml/2006/ole">
             <mc:AlternateContent xmlns:mc="http://schemas.openxmlformats.org/markup-compatibility/2006">
               <mc:Choice xmlns:v="urn:schemas-microsoft-com:vml" Requires="v">
-                <p:oleObj spid="_x0000_s3095" name="Формула" r:id="rId5" imgW="507960" imgH="228600" progId="Equation.3">
+                <p:oleObj spid="_x0000_s3116" name="Формула" r:id="rId5" imgW="507960" imgH="228600" progId="Equation.3">
                   <p:embed/>
                 </p:oleObj>
               </mc:Choice>
@@ -16802,7 +17969,7 @@
           <a:graphicData uri="http://schemas.openxmlformats.org/presentationml/2006/ole">
             <mc:AlternateContent xmlns:mc="http://schemas.openxmlformats.org/markup-compatibility/2006">
               <mc:Choice xmlns:v="urn:schemas-microsoft-com:vml" Requires="v">
-                <p:oleObj spid="_x0000_s3096" name="Формула" r:id="rId7" imgW="1638000" imgH="253800" progId="Equation.3">
+                <p:oleObj spid="_x0000_s3117" name="Формула" r:id="rId7" imgW="1638000" imgH="253800" progId="Equation.3">
                   <p:embed/>
                 </p:oleObj>
               </mc:Choice>
@@ -16885,7 +18052,7 @@
           <a:graphicData uri="http://schemas.openxmlformats.org/presentationml/2006/ole">
             <mc:AlternateContent xmlns:mc="http://schemas.openxmlformats.org/markup-compatibility/2006">
               <mc:Choice xmlns:v="urn:schemas-microsoft-com:vml" Requires="v">
-                <p:oleObj spid="_x0000_s3097" name="Формула" r:id="rId9" imgW="152280" imgH="228600" progId="Equation.3">
+                <p:oleObj spid="_x0000_s3118" name="Формула" r:id="rId9" imgW="152280" imgH="228600" progId="Equation.3">
                   <p:embed/>
                 </p:oleObj>
               </mc:Choice>
@@ -16996,7 +18163,7 @@
           <a:graphicData uri="http://schemas.openxmlformats.org/presentationml/2006/ole">
             <mc:AlternateContent xmlns:mc="http://schemas.openxmlformats.org/markup-compatibility/2006">
               <mc:Choice xmlns:v="urn:schemas-microsoft-com:vml" Requires="v">
-                <p:oleObj spid="_x0000_s3098" name="Формула" r:id="rId11" imgW="1015920" imgH="228600" progId="Equation.3">
+                <p:oleObj spid="_x0000_s3119" name="Формула" r:id="rId11" imgW="1015920" imgH="228600" progId="Equation.3">
                   <p:embed/>
                 </p:oleObj>
               </mc:Choice>
@@ -17079,7 +18246,7 @@
           <a:graphicData uri="http://schemas.openxmlformats.org/presentationml/2006/ole">
             <mc:AlternateContent xmlns:mc="http://schemas.openxmlformats.org/markup-compatibility/2006">
               <mc:Choice xmlns:v="urn:schemas-microsoft-com:vml" Requires="v">
-                <p:oleObj spid="_x0000_s3099" name="Формула" r:id="rId13" imgW="1409400" imgH="241200" progId="Equation.3">
+                <p:oleObj spid="_x0000_s3120" name="Формула" r:id="rId13" imgW="1409400" imgH="241200" progId="Equation.3">
                   <p:embed/>
                 </p:oleObj>
               </mc:Choice>
@@ -17190,7 +18357,7 @@
           <a:graphicData uri="http://schemas.openxmlformats.org/presentationml/2006/ole">
             <mc:AlternateContent xmlns:mc="http://schemas.openxmlformats.org/markup-compatibility/2006">
               <mc:Choice xmlns:v="urn:schemas-microsoft-com:vml" Requires="v">
-                <p:oleObj spid="_x0000_s3100" name="Формула" r:id="rId15" imgW="177480" imgH="241200" progId="Equation.3">
+                <p:oleObj spid="_x0000_s3121" name="Формула" r:id="rId15" imgW="177480" imgH="241200" progId="Equation.3">
                   <p:embed/>
                 </p:oleObj>
               </mc:Choice>
@@ -17443,36 +18610,6 @@
           </a:p>
         </p:txBody>
       </p:sp>
-      <p:pic>
-        <p:nvPicPr>
-          <p:cNvPr id="6" name="Рисунок 5">
-            <a:extLst>
-              <a:ext uri="{FF2B5EF4-FFF2-40B4-BE49-F238E27FC236}">
-                <a16:creationId xmlns:a16="http://schemas.microsoft.com/office/drawing/2014/main" id="{CCD79256-41B2-449B-AE41-B4CA794568C8}"/>
-              </a:ext>
-            </a:extLst>
-          </p:cNvPr>
-          <p:cNvPicPr>
-            <a:picLocks noChangeAspect="1"/>
-          </p:cNvPicPr>
-          <p:nvPr/>
-        </p:nvPicPr>
-        <p:blipFill>
-          <a:blip r:embed="rId2"/>
-          <a:stretch>
-            <a:fillRect/>
-          </a:stretch>
-        </p:blipFill>
-        <p:spPr>
-          <a:xfrm>
-            <a:off x="838200" y="1114148"/>
-            <a:ext cx="10515599" cy="5000735"/>
-          </a:xfrm>
-          <a:prstGeom prst="rect">
-            <a:avLst/>
-          </a:prstGeom>
-        </p:spPr>
-      </p:pic>
       <p:sp>
         <p:nvSpPr>
           <p:cNvPr id="3" name="Номер слайда 2">
@@ -17502,6 +18639,34 @@
           </a:p>
         </p:txBody>
       </p:sp>
+      <p:graphicFrame>
+        <p:nvGraphicFramePr>
+          <p:cNvPr id="7" name="Диаграмма 6">
+            <a:extLst>
+              <a:ext uri="{FF2B5EF4-FFF2-40B4-BE49-F238E27FC236}">
+                <a16:creationId xmlns:a16="http://schemas.microsoft.com/office/drawing/2014/main" id="{9E8B8C10-9288-D24B-8484-7EE5BEB65BFF}"/>
+              </a:ext>
+            </a:extLst>
+          </p:cNvPr>
+          <p:cNvGraphicFramePr/>
+          <p:nvPr>
+            <p:extLst>
+              <p:ext uri="{D42A27DB-BD31-4B8C-83A1-F6EECF244321}">
+                <p14:modId xmlns:p14="http://schemas.microsoft.com/office/powerpoint/2010/main" val="1806296234"/>
+              </p:ext>
+            </p:extLst>
+          </p:nvPr>
+        </p:nvGraphicFramePr>
+        <p:xfrm>
+          <a:off x="997527" y="1253706"/>
+          <a:ext cx="10200904" cy="4802709"/>
+        </p:xfrm>
+        <a:graphic>
+          <a:graphicData uri="http://schemas.openxmlformats.org/drawingml/2006/chart">
+            <c:chart xmlns:c="http://schemas.openxmlformats.org/drawingml/2006/chart" xmlns:r="http://schemas.openxmlformats.org/officeDocument/2006/relationships" r:id="rId2"/>
+          </a:graphicData>
+        </a:graphic>
+      </p:graphicFrame>
     </p:spTree>
     <p:extLst>
       <p:ext uri="{BB962C8B-B14F-4D97-AF65-F5344CB8AC3E}">
